--- a/COMP270/05/2019-20-COMP270-05-lecture-materials.pptx
+++ b/COMP270/05/2019-20-COMP270-05-lecture-materials.pptx
@@ -27,8 +27,11 @@
     <p:sldId id="368" r:id="rId21"/>
     <p:sldId id="369" r:id="rId22"/>
     <p:sldId id="370" r:id="rId23"/>
-    <p:sldId id="381" r:id="rId24"/>
-    <p:sldId id="382" r:id="rId25"/>
+    <p:sldId id="383" r:id="rId24"/>
+    <p:sldId id="384" r:id="rId25"/>
+    <p:sldId id="385" r:id="rId26"/>
+    <p:sldId id="381" r:id="rId27"/>
+    <p:sldId id="382" r:id="rId28"/>
   </p:sldIdLst>
   <p:sldSz cx="12192000" cy="6858000"/>
   <p:notesSz cx="6858000" cy="9144000"/>
@@ -154,6 +157,9 @@
             <p14:sldId id="368"/>
             <p14:sldId id="369"/>
             <p14:sldId id="370"/>
+            <p14:sldId id="383"/>
+            <p14:sldId id="384"/>
+            <p14:sldId id="385"/>
             <p14:sldId id="381"/>
             <p14:sldId id="382"/>
           </p14:sldIdLst>
@@ -411,7 +417,7 @@
           <a:p>
             <a:fld id="{9184DA70-C731-4C70-880D-CCD4705E623C}" type="datetime1">
               <a:rPr lang="en-US" smtClean="0"/>
-              <a:t>10/20/2019</a:t>
+              <a:t>10/21/19</a:t>
             </a:fld>
             <a:endParaRPr lang="en-US" dirty="0"/>
           </a:p>
@@ -599,7 +605,7 @@
           <a:p>
             <a:fld id="{B612A279-0833-481D-8C56-F67FD0AC6C50}" type="datetime1">
               <a:rPr lang="en-US" smtClean="0"/>
-              <a:t>10/20/2019</a:t>
+              <a:t>10/21/19</a:t>
             </a:fld>
             <a:endParaRPr lang="en-US" dirty="0"/>
           </a:p>
@@ -841,7 +847,7 @@
           <a:p>
             <a:fld id="{6587DA83-5663-4C9C-B9AA-0B40A3DAFF81}" type="datetime1">
               <a:rPr lang="en-US" smtClean="0"/>
-              <a:t>10/20/2019</a:t>
+              <a:t>10/21/19</a:t>
             </a:fld>
             <a:endParaRPr lang="en-US" dirty="0"/>
           </a:p>
@@ -1150,7 +1156,7 @@
           <a:p>
             <a:fld id="{4BE1D723-8F53-4F53-90B0-1982A396982E}" type="datetime1">
               <a:rPr lang="en-US" smtClean="0"/>
-              <a:t>10/20/2019</a:t>
+              <a:t>10/21/19</a:t>
             </a:fld>
             <a:endParaRPr lang="en-US" dirty="0"/>
           </a:p>
@@ -1523,7 +1529,7 @@
           <a:p>
             <a:fld id="{97669AF7-7BEB-44E4-9852-375E34362B5B}" type="datetime1">
               <a:rPr lang="en-US" smtClean="0"/>
-              <a:t>10/20/2019</a:t>
+              <a:t>10/21/19</a:t>
             </a:fld>
             <a:endParaRPr lang="en-US" dirty="0"/>
           </a:p>
@@ -1778,7 +1784,7 @@
           <a:p>
             <a:fld id="{BAAAC38D-0552-4C82-B593-E6124DFADBE2}" type="datetime1">
               <a:rPr lang="en-US" smtClean="0"/>
-              <a:t>10/20/2019</a:t>
+              <a:t>10/21/19</a:t>
             </a:fld>
             <a:endParaRPr lang="en-US" dirty="0"/>
           </a:p>
@@ -2175,7 +2181,7 @@
           <a:p>
             <a:fld id="{D9DF0F1C-5577-4ACB-BB62-DF8F3C494C7E}" type="datetime1">
               <a:rPr lang="en-US" smtClean="0"/>
-              <a:t>10/20/2019</a:t>
+              <a:t>10/21/19</a:t>
             </a:fld>
             <a:endParaRPr lang="en-US" dirty="0"/>
           </a:p>
@@ -2311,7 +2317,7 @@
           <a:p>
             <a:fld id="{1775B394-D9F9-4F0C-B15D-605F45CB9E9F}" type="datetime1">
               <a:rPr lang="en-US" smtClean="0"/>
-              <a:t>10/20/2019</a:t>
+              <a:t>10/21/19</a:t>
             </a:fld>
             <a:endParaRPr lang="en-US" dirty="0"/>
           </a:p>
@@ -2468,7 +2474,7 @@
           <a:p>
             <a:fld id="{39667345-2558-425A-8533-9BFDBCE15005}" type="datetime1">
               <a:rPr lang="en-US" smtClean="0"/>
-              <a:t>10/20/2019</a:t>
+              <a:t>10/21/19</a:t>
             </a:fld>
             <a:endParaRPr lang="en-US" dirty="0"/>
           </a:p>
@@ -2797,7 +2803,7 @@
           <a:p>
             <a:fld id="{92BEA474-078D-4E9B-9B14-09A87B19DC46}" type="datetime1">
               <a:rPr lang="en-US" smtClean="0"/>
-              <a:t>10/20/2019</a:t>
+              <a:t>10/21/19</a:t>
             </a:fld>
             <a:endParaRPr lang="en-US" dirty="0"/>
           </a:p>
@@ -3147,7 +3153,7 @@
           <a:p>
             <a:fld id="{4907D986-8816-4272-A432-0437A28A9828}" type="datetime1">
               <a:rPr lang="en-US" smtClean="0"/>
-              <a:t>10/20/2019</a:t>
+              <a:t>10/21/19</a:t>
             </a:fld>
             <a:endParaRPr lang="en-US" dirty="0"/>
           </a:p>
@@ -3408,7 +3414,7 @@
           <a:p>
             <a:fld id="{62D6E202-B606-4609-B914-27C9371A1F6D}" type="datetime1">
               <a:rPr lang="en-US" smtClean="0"/>
-              <a:t>10/20/2019</a:t>
+              <a:t>10/21/19</a:t>
             </a:fld>
             <a:endParaRPr lang="en-US" dirty="0"/>
           </a:p>
@@ -15382,6 +15388,2175 @@
 <file path=ppt/slides/slide23.xml><?xml version="1.0" encoding="utf-8"?>
 <p:sld xmlns:a="http://schemas.openxmlformats.org/drawingml/2006/main" xmlns:r="http://schemas.openxmlformats.org/officeDocument/2006/relationships" xmlns:p="http://schemas.openxmlformats.org/presentationml/2006/main">
   <p:cSld>
+    <p:spTree>
+      <p:nvGrpSpPr>
+        <p:cNvPr id="1" name=""/>
+        <p:cNvGrpSpPr/>
+        <p:nvPr/>
+      </p:nvGrpSpPr>
+      <p:grpSpPr>
+        <a:xfrm>
+          <a:off x="0" y="0"/>
+          <a:ext cx="0" cy="0"/>
+          <a:chOff x="0" y="0"/>
+          <a:chExt cx="0" cy="0"/>
+        </a:xfrm>
+      </p:grpSpPr>
+      <p:sp>
+        <p:nvSpPr>
+          <p:cNvPr id="2" name="Title 1">
+            <a:extLst>
+              <a:ext uri="{FF2B5EF4-FFF2-40B4-BE49-F238E27FC236}">
+                <a16:creationId xmlns:a16="http://schemas.microsoft.com/office/drawing/2014/main" id="{175C9E19-1DC1-B543-A882-BD188D53431B}"/>
+              </a:ext>
+            </a:extLst>
+          </p:cNvPr>
+          <p:cNvSpPr>
+            <a:spLocks noGrp="1"/>
+          </p:cNvSpPr>
+          <p:nvPr>
+            <p:ph type="title"/>
+          </p:nvPr>
+        </p:nvSpPr>
+        <p:spPr/>
+        <p:txBody>
+          <a:bodyPr/>
+          <a:lstStyle/>
+          <a:p>
+            <a:r>
+              <a:rPr lang="en-US" dirty="0"/>
+              <a:t>Contact normal</a:t>
+            </a:r>
+          </a:p>
+        </p:txBody>
+      </p:sp>
+      <p:sp>
+        <p:nvSpPr>
+          <p:cNvPr id="3" name="Content Placeholder 2">
+            <a:extLst>
+              <a:ext uri="{FF2B5EF4-FFF2-40B4-BE49-F238E27FC236}">
+                <a16:creationId xmlns:a16="http://schemas.microsoft.com/office/drawing/2014/main" id="{7CFAEA66-FD8C-0141-9F1D-C15B7540A56F}"/>
+              </a:ext>
+            </a:extLst>
+          </p:cNvPr>
+          <p:cNvSpPr>
+            <a:spLocks noGrp="1"/>
+          </p:cNvSpPr>
+          <p:nvPr>
+            <p:ph idx="1"/>
+          </p:nvPr>
+        </p:nvSpPr>
+        <p:spPr>
+          <a:xfrm>
+            <a:off x="1097280" y="2108201"/>
+            <a:ext cx="5700030" cy="3760891"/>
+          </a:xfrm>
+        </p:spPr>
+        <p:txBody>
+          <a:bodyPr/>
+          <a:lstStyle/>
+          <a:p>
+            <a:r>
+              <a:rPr lang="en-US" dirty="0"/>
+              <a:t>Reaction force acts along the </a:t>
+            </a:r>
+            <a:r>
+              <a:rPr lang="en-US" b="1" dirty="0"/>
+              <a:t>contact normal – </a:t>
+            </a:r>
+            <a:r>
+              <a:rPr lang="en-US" dirty="0"/>
+              <a:t>perpendicular to both surfaces</a:t>
+            </a:r>
+          </a:p>
+          <a:p>
+            <a:r>
+              <a:rPr lang="en-US" dirty="0"/>
+              <a:t>Component of velocity parallel to the normal changes; component perpendicular to the normal does not (disregarding friction)</a:t>
+            </a:r>
+          </a:p>
+        </p:txBody>
+      </p:sp>
+      <p:sp>
+        <p:nvSpPr>
+          <p:cNvPr id="21" name="Oval 20">
+            <a:extLst>
+              <a:ext uri="{FF2B5EF4-FFF2-40B4-BE49-F238E27FC236}">
+                <a16:creationId xmlns:a16="http://schemas.microsoft.com/office/drawing/2014/main" id="{09005E5A-E11A-754C-842C-396BB006B191}"/>
+              </a:ext>
+            </a:extLst>
+          </p:cNvPr>
+          <p:cNvSpPr/>
+          <p:nvPr/>
+        </p:nvSpPr>
+        <p:spPr>
+          <a:xfrm rot="2411354">
+            <a:off x="7556908" y="2658472"/>
+            <a:ext cx="2257678" cy="2257678"/>
+          </a:xfrm>
+          <a:prstGeom prst="ellipse">
+            <a:avLst/>
+          </a:prstGeom>
+        </p:spPr>
+        <p:style>
+          <a:lnRef idx="2">
+            <a:schemeClr val="accent1">
+              <a:shade val="50000"/>
+            </a:schemeClr>
+          </a:lnRef>
+          <a:fillRef idx="1">
+            <a:schemeClr val="accent1"/>
+          </a:fillRef>
+          <a:effectRef idx="0">
+            <a:schemeClr val="accent1"/>
+          </a:effectRef>
+          <a:fontRef idx="minor">
+            <a:schemeClr val="lt1"/>
+          </a:fontRef>
+        </p:style>
+        <p:txBody>
+          <a:bodyPr rtlCol="0" anchor="ctr"/>
+          <a:lstStyle/>
+          <a:p>
+            <a:pPr algn="ctr"/>
+            <a:endParaRPr lang="en-GB"/>
+          </a:p>
+        </p:txBody>
+      </p:sp>
+      <p:sp>
+        <p:nvSpPr>
+          <p:cNvPr id="22" name="Oval 21">
+            <a:extLst>
+              <a:ext uri="{FF2B5EF4-FFF2-40B4-BE49-F238E27FC236}">
+                <a16:creationId xmlns:a16="http://schemas.microsoft.com/office/drawing/2014/main" id="{7C82C4A3-F3C2-534D-A271-35EA9ACC8D81}"/>
+              </a:ext>
+            </a:extLst>
+          </p:cNvPr>
+          <p:cNvSpPr/>
+          <p:nvPr/>
+        </p:nvSpPr>
+        <p:spPr>
+          <a:xfrm rot="2411354">
+            <a:off x="9363517" y="4236940"/>
+            <a:ext cx="1583346" cy="1583346"/>
+          </a:xfrm>
+          <a:prstGeom prst="ellipse">
+            <a:avLst/>
+          </a:prstGeom>
+        </p:spPr>
+        <p:style>
+          <a:lnRef idx="2">
+            <a:schemeClr val="accent1">
+              <a:shade val="50000"/>
+            </a:schemeClr>
+          </a:lnRef>
+          <a:fillRef idx="1">
+            <a:schemeClr val="accent1"/>
+          </a:fillRef>
+          <a:effectRef idx="0">
+            <a:schemeClr val="accent1"/>
+          </a:effectRef>
+          <a:fontRef idx="minor">
+            <a:schemeClr val="lt1"/>
+          </a:fontRef>
+        </p:style>
+        <p:txBody>
+          <a:bodyPr rtlCol="0" anchor="ctr"/>
+          <a:lstStyle/>
+          <a:p>
+            <a:pPr algn="ctr"/>
+            <a:endParaRPr lang="en-GB"/>
+          </a:p>
+        </p:txBody>
+      </p:sp>
+      <p:cxnSp>
+        <p:nvCxnSpPr>
+          <p:cNvPr id="23" name="Straight Connector 22">
+            <a:extLst>
+              <a:ext uri="{FF2B5EF4-FFF2-40B4-BE49-F238E27FC236}">
+                <a16:creationId xmlns:a16="http://schemas.microsoft.com/office/drawing/2014/main" id="{A6E1A2DA-C8C8-2840-AEA1-28729AF22730}"/>
+              </a:ext>
+            </a:extLst>
+          </p:cNvPr>
+          <p:cNvCxnSpPr>
+            <a:cxnSpLocks/>
+          </p:cNvCxnSpPr>
+          <p:nvPr/>
+        </p:nvCxnSpPr>
+        <p:spPr>
+          <a:xfrm rot="2411354" flipV="1">
+            <a:off x="9551787" y="3676896"/>
+            <a:ext cx="0" cy="1668982"/>
+          </a:xfrm>
+          <a:prstGeom prst="line">
+            <a:avLst/>
+          </a:prstGeom>
+          <a:ln>
+            <a:prstDash val="dash"/>
+          </a:ln>
+        </p:spPr>
+        <p:style>
+          <a:lnRef idx="1">
+            <a:schemeClr val="dk1"/>
+          </a:lnRef>
+          <a:fillRef idx="0">
+            <a:schemeClr val="dk1"/>
+          </a:fillRef>
+          <a:effectRef idx="0">
+            <a:schemeClr val="dk1"/>
+          </a:effectRef>
+          <a:fontRef idx="minor">
+            <a:schemeClr val="tx1"/>
+          </a:fontRef>
+        </p:style>
+      </p:cxnSp>
+      <p:cxnSp>
+        <p:nvCxnSpPr>
+          <p:cNvPr id="24" name="Straight Connector 23">
+            <a:extLst>
+              <a:ext uri="{FF2B5EF4-FFF2-40B4-BE49-F238E27FC236}">
+                <a16:creationId xmlns:a16="http://schemas.microsoft.com/office/drawing/2014/main" id="{FC521C49-925A-474B-B0B8-3D42AB5F0BA6}"/>
+              </a:ext>
+            </a:extLst>
+          </p:cNvPr>
+          <p:cNvCxnSpPr>
+            <a:cxnSpLocks/>
+          </p:cNvCxnSpPr>
+          <p:nvPr/>
+        </p:nvCxnSpPr>
+        <p:spPr>
+          <a:xfrm rot="2411354">
+            <a:off x="8878304" y="4511386"/>
+            <a:ext cx="1346965" cy="0"/>
+          </a:xfrm>
+          <a:prstGeom prst="line">
+            <a:avLst/>
+          </a:prstGeom>
+          <a:ln>
+            <a:headEnd type="triangle" w="med" len="med"/>
+            <a:tailEnd type="triangle" w="med" len="med"/>
+          </a:ln>
+        </p:spPr>
+        <p:style>
+          <a:lnRef idx="1">
+            <a:schemeClr val="dk1"/>
+          </a:lnRef>
+          <a:fillRef idx="0">
+            <a:schemeClr val="dk1"/>
+          </a:fillRef>
+          <a:effectRef idx="0">
+            <a:schemeClr val="dk1"/>
+          </a:effectRef>
+          <a:fontRef idx="minor">
+            <a:schemeClr val="tx1"/>
+          </a:fontRef>
+        </p:style>
+      </p:cxnSp>
+    </p:spTree>
+    <p:extLst>
+      <p:ext uri="{BB962C8B-B14F-4D97-AF65-F5344CB8AC3E}">
+        <p14:creationId xmlns:p14="http://schemas.microsoft.com/office/powerpoint/2010/main" val="2499383787"/>
+      </p:ext>
+    </p:extLst>
+  </p:cSld>
+  <p:clrMapOvr>
+    <a:masterClrMapping/>
+  </p:clrMapOvr>
+  <p:timing>
+    <p:tnLst>
+      <p:par>
+        <p:cTn id="1" dur="indefinite" restart="never" nodeType="tmRoot">
+          <p:childTnLst>
+            <p:seq concurrent="1" nextAc="seek">
+              <p:cTn id="2" dur="indefinite" nodeType="mainSeq">
+                <p:childTnLst>
+                  <p:par>
+                    <p:cTn id="3" fill="hold">
+                      <p:stCondLst>
+                        <p:cond delay="indefinite"/>
+                      </p:stCondLst>
+                      <p:childTnLst>
+                        <p:par>
+                          <p:cTn id="4" fill="hold">
+                            <p:stCondLst>
+                              <p:cond delay="0"/>
+                            </p:stCondLst>
+                            <p:childTnLst>
+                              <p:par>
+                                <p:cTn id="5" presetID="1" presetClass="entr" presetSubtype="0" fill="hold" grpId="0" nodeType="clickEffect">
+                                  <p:stCondLst>
+                                    <p:cond delay="0"/>
+                                  </p:stCondLst>
+                                  <p:childTnLst>
+                                    <p:set>
+                                      <p:cBhvr>
+                                        <p:cTn id="6" dur="1" fill="hold">
+                                          <p:stCondLst>
+                                            <p:cond delay="0"/>
+                                          </p:stCondLst>
+                                        </p:cTn>
+                                        <p:tgtEl>
+                                          <p:spTgt spid="3">
+                                            <p:txEl>
+                                              <p:pRg st="0" end="0"/>
+                                            </p:txEl>
+                                          </p:spTgt>
+                                        </p:tgtEl>
+                                        <p:attrNameLst>
+                                          <p:attrName>style.visibility</p:attrName>
+                                        </p:attrNameLst>
+                                      </p:cBhvr>
+                                      <p:to>
+                                        <p:strVal val="visible"/>
+                                      </p:to>
+                                    </p:set>
+                                  </p:childTnLst>
+                                </p:cTn>
+                              </p:par>
+                              <p:par>
+                                <p:cTn id="7" presetID="1" presetClass="entr" presetSubtype="0" fill="hold" nodeType="withEffect">
+                                  <p:stCondLst>
+                                    <p:cond delay="0"/>
+                                  </p:stCondLst>
+                                  <p:childTnLst>
+                                    <p:set>
+                                      <p:cBhvr>
+                                        <p:cTn id="8" dur="1" fill="hold">
+                                          <p:stCondLst>
+                                            <p:cond delay="0"/>
+                                          </p:stCondLst>
+                                        </p:cTn>
+                                        <p:tgtEl>
+                                          <p:spTgt spid="23"/>
+                                        </p:tgtEl>
+                                        <p:attrNameLst>
+                                          <p:attrName>style.visibility</p:attrName>
+                                        </p:attrNameLst>
+                                      </p:cBhvr>
+                                      <p:to>
+                                        <p:strVal val="visible"/>
+                                      </p:to>
+                                    </p:set>
+                                  </p:childTnLst>
+                                </p:cTn>
+                              </p:par>
+                              <p:par>
+                                <p:cTn id="9" presetID="1" presetClass="entr" presetSubtype="0" fill="hold" nodeType="withEffect">
+                                  <p:stCondLst>
+                                    <p:cond delay="0"/>
+                                  </p:stCondLst>
+                                  <p:childTnLst>
+                                    <p:set>
+                                      <p:cBhvr>
+                                        <p:cTn id="10" dur="1" fill="hold">
+                                          <p:stCondLst>
+                                            <p:cond delay="0"/>
+                                          </p:stCondLst>
+                                        </p:cTn>
+                                        <p:tgtEl>
+                                          <p:spTgt spid="24"/>
+                                        </p:tgtEl>
+                                        <p:attrNameLst>
+                                          <p:attrName>style.visibility</p:attrName>
+                                        </p:attrNameLst>
+                                      </p:cBhvr>
+                                      <p:to>
+                                        <p:strVal val="visible"/>
+                                      </p:to>
+                                    </p:set>
+                                  </p:childTnLst>
+                                </p:cTn>
+                              </p:par>
+                            </p:childTnLst>
+                          </p:cTn>
+                        </p:par>
+                      </p:childTnLst>
+                    </p:cTn>
+                  </p:par>
+                  <p:par>
+                    <p:cTn id="11" fill="hold">
+                      <p:stCondLst>
+                        <p:cond delay="indefinite"/>
+                      </p:stCondLst>
+                      <p:childTnLst>
+                        <p:par>
+                          <p:cTn id="12" fill="hold">
+                            <p:stCondLst>
+                              <p:cond delay="0"/>
+                            </p:stCondLst>
+                            <p:childTnLst>
+                              <p:par>
+                                <p:cTn id="13" presetID="1" presetClass="entr" presetSubtype="0" fill="hold" grpId="0" nodeType="clickEffect">
+                                  <p:stCondLst>
+                                    <p:cond delay="0"/>
+                                  </p:stCondLst>
+                                  <p:childTnLst>
+                                    <p:set>
+                                      <p:cBhvr>
+                                        <p:cTn id="14" dur="1" fill="hold">
+                                          <p:stCondLst>
+                                            <p:cond delay="0"/>
+                                          </p:stCondLst>
+                                        </p:cTn>
+                                        <p:tgtEl>
+                                          <p:spTgt spid="3">
+                                            <p:txEl>
+                                              <p:pRg st="1" end="1"/>
+                                            </p:txEl>
+                                          </p:spTgt>
+                                        </p:tgtEl>
+                                        <p:attrNameLst>
+                                          <p:attrName>style.visibility</p:attrName>
+                                        </p:attrNameLst>
+                                      </p:cBhvr>
+                                      <p:to>
+                                        <p:strVal val="visible"/>
+                                      </p:to>
+                                    </p:set>
+                                  </p:childTnLst>
+                                </p:cTn>
+                              </p:par>
+                            </p:childTnLst>
+                          </p:cTn>
+                        </p:par>
+                      </p:childTnLst>
+                    </p:cTn>
+                  </p:par>
+                </p:childTnLst>
+              </p:cTn>
+              <p:prevCondLst>
+                <p:cond evt="onPrev" delay="0">
+                  <p:tgtEl>
+                    <p:sldTgt/>
+                  </p:tgtEl>
+                </p:cond>
+              </p:prevCondLst>
+              <p:nextCondLst>
+                <p:cond evt="onNext" delay="0">
+                  <p:tgtEl>
+                    <p:sldTgt/>
+                  </p:tgtEl>
+                </p:cond>
+              </p:nextCondLst>
+            </p:seq>
+          </p:childTnLst>
+        </p:cTn>
+      </p:par>
+    </p:tnLst>
+    <p:bldLst>
+      <p:bldP spid="3" grpId="0" uiExpand="1" build="p"/>
+    </p:bldLst>
+  </p:timing>
+</p:sld>
+</file>
+
+<file path=ppt/slides/slide24.xml><?xml version="1.0" encoding="utf-8"?>
+<p:sld xmlns:a="http://schemas.openxmlformats.org/drawingml/2006/main" xmlns:r="http://schemas.openxmlformats.org/officeDocument/2006/relationships" xmlns:p="http://schemas.openxmlformats.org/presentationml/2006/main">
+  <p:cSld>
+    <p:spTree>
+      <p:nvGrpSpPr>
+        <p:cNvPr id="1" name=""/>
+        <p:cNvGrpSpPr/>
+        <p:nvPr/>
+      </p:nvGrpSpPr>
+      <p:grpSpPr>
+        <a:xfrm>
+          <a:off x="0" y="0"/>
+          <a:ext cx="0" cy="0"/>
+          <a:chOff x="0" y="0"/>
+          <a:chExt cx="0" cy="0"/>
+        </a:xfrm>
+      </p:grpSpPr>
+      <p:sp>
+        <p:nvSpPr>
+          <p:cNvPr id="2" name="Title 1">
+            <a:extLst>
+              <a:ext uri="{FF2B5EF4-FFF2-40B4-BE49-F238E27FC236}">
+                <a16:creationId xmlns:a16="http://schemas.microsoft.com/office/drawing/2014/main" id="{175C9E19-1DC1-B543-A882-BD188D53431B}"/>
+              </a:ext>
+            </a:extLst>
+          </p:cNvPr>
+          <p:cNvSpPr>
+            <a:spLocks noGrp="1"/>
+          </p:cNvSpPr>
+          <p:nvPr>
+            <p:ph type="title"/>
+          </p:nvPr>
+        </p:nvSpPr>
+        <p:spPr/>
+        <p:txBody>
+          <a:bodyPr/>
+          <a:lstStyle/>
+          <a:p>
+            <a:r>
+              <a:rPr lang="en-US" dirty="0"/>
+              <a:t>Change in coordinate systems</a:t>
+            </a:r>
+          </a:p>
+        </p:txBody>
+      </p:sp>
+      <p:sp>
+        <p:nvSpPr>
+          <p:cNvPr id="3" name="Content Placeholder 2">
+            <a:extLst>
+              <a:ext uri="{FF2B5EF4-FFF2-40B4-BE49-F238E27FC236}">
+                <a16:creationId xmlns:a16="http://schemas.microsoft.com/office/drawing/2014/main" id="{7CFAEA66-FD8C-0141-9F1D-C15B7540A56F}"/>
+              </a:ext>
+            </a:extLst>
+          </p:cNvPr>
+          <p:cNvSpPr>
+            <a:spLocks noGrp="1"/>
+          </p:cNvSpPr>
+          <p:nvPr>
+            <p:ph idx="1"/>
+          </p:nvPr>
+        </p:nvSpPr>
+        <p:spPr>
+          <a:xfrm>
+            <a:off x="1097280" y="2108201"/>
+            <a:ext cx="5700030" cy="3760891"/>
+          </a:xfrm>
+        </p:spPr>
+        <p:txBody>
+          <a:bodyPr>
+            <a:normAutofit lnSpcReduction="10000"/>
+          </a:bodyPr>
+          <a:lstStyle/>
+          <a:p>
+            <a:r>
+              <a:rPr lang="en-US" dirty="0"/>
+              <a:t>Useful to consider the situation in a different </a:t>
+            </a:r>
+            <a:r>
+              <a:rPr lang="en-US" b="1" dirty="0"/>
+              <a:t>coordinate system</a:t>
+            </a:r>
+          </a:p>
+          <a:p>
+            <a:r>
+              <a:rPr lang="en-US" dirty="0"/>
+              <a:t>Instead of x-y axes, use u-v axes parallel and perpendicular to the normal</a:t>
+            </a:r>
+          </a:p>
+          <a:p>
+            <a:r>
+              <a:rPr lang="en-US" dirty="0"/>
+              <a:t>Equivalent to </a:t>
+            </a:r>
+            <a:r>
+              <a:rPr lang="en-US" b="1" dirty="0"/>
+              <a:t>rotation</a:t>
+            </a:r>
+          </a:p>
+          <a:p>
+            <a:r>
+              <a:rPr lang="en-US" dirty="0"/>
+              <a:t>Can use </a:t>
+            </a:r>
+            <a:r>
+              <a:rPr lang="en-US" b="1" dirty="0"/>
+              <a:t>dot product </a:t>
+            </a:r>
+            <a:r>
+              <a:rPr lang="en-US" dirty="0"/>
+              <a:t>to convert between systems</a:t>
+            </a:r>
+          </a:p>
+        </p:txBody>
+      </p:sp>
+      <p:sp>
+        <p:nvSpPr>
+          <p:cNvPr id="9" name="Oval 8">
+            <a:extLst>
+              <a:ext uri="{FF2B5EF4-FFF2-40B4-BE49-F238E27FC236}">
+                <a16:creationId xmlns:a16="http://schemas.microsoft.com/office/drawing/2014/main" id="{C7F80E8F-91CA-5646-BAA1-DC64377EF5F0}"/>
+              </a:ext>
+            </a:extLst>
+          </p:cNvPr>
+          <p:cNvSpPr/>
+          <p:nvPr/>
+        </p:nvSpPr>
+        <p:spPr>
+          <a:xfrm rot="2411354">
+            <a:off x="7556909" y="2658472"/>
+            <a:ext cx="2257678" cy="2257678"/>
+          </a:xfrm>
+          <a:prstGeom prst="ellipse">
+            <a:avLst/>
+          </a:prstGeom>
+        </p:spPr>
+        <p:style>
+          <a:lnRef idx="2">
+            <a:schemeClr val="accent1">
+              <a:shade val="50000"/>
+            </a:schemeClr>
+          </a:lnRef>
+          <a:fillRef idx="1">
+            <a:schemeClr val="accent1"/>
+          </a:fillRef>
+          <a:effectRef idx="0">
+            <a:schemeClr val="accent1"/>
+          </a:effectRef>
+          <a:fontRef idx="minor">
+            <a:schemeClr val="lt1"/>
+          </a:fontRef>
+        </p:style>
+        <p:txBody>
+          <a:bodyPr rtlCol="0" anchor="ctr"/>
+          <a:lstStyle/>
+          <a:p>
+            <a:pPr algn="ctr"/>
+            <a:endParaRPr lang="en-GB"/>
+          </a:p>
+        </p:txBody>
+      </p:sp>
+      <p:sp>
+        <p:nvSpPr>
+          <p:cNvPr id="11" name="Oval 10">
+            <a:extLst>
+              <a:ext uri="{FF2B5EF4-FFF2-40B4-BE49-F238E27FC236}">
+                <a16:creationId xmlns:a16="http://schemas.microsoft.com/office/drawing/2014/main" id="{84912980-F3EC-1F41-863A-BBC60CE05F76}"/>
+              </a:ext>
+            </a:extLst>
+          </p:cNvPr>
+          <p:cNvSpPr/>
+          <p:nvPr/>
+        </p:nvSpPr>
+        <p:spPr>
+          <a:xfrm rot="2411354">
+            <a:off x="9363517" y="4236939"/>
+            <a:ext cx="1583346" cy="1583346"/>
+          </a:xfrm>
+          <a:prstGeom prst="ellipse">
+            <a:avLst/>
+          </a:prstGeom>
+        </p:spPr>
+        <p:style>
+          <a:lnRef idx="2">
+            <a:schemeClr val="accent1">
+              <a:shade val="50000"/>
+            </a:schemeClr>
+          </a:lnRef>
+          <a:fillRef idx="1">
+            <a:schemeClr val="accent1"/>
+          </a:fillRef>
+          <a:effectRef idx="0">
+            <a:schemeClr val="accent1"/>
+          </a:effectRef>
+          <a:fontRef idx="minor">
+            <a:schemeClr val="lt1"/>
+          </a:fontRef>
+        </p:style>
+        <p:txBody>
+          <a:bodyPr rtlCol="0" anchor="ctr"/>
+          <a:lstStyle/>
+          <a:p>
+            <a:pPr algn="ctr"/>
+            <a:endParaRPr lang="en-GB"/>
+          </a:p>
+        </p:txBody>
+      </p:sp>
+      <p:cxnSp>
+        <p:nvCxnSpPr>
+          <p:cNvPr id="12" name="Straight Connector 11">
+            <a:extLst>
+              <a:ext uri="{FF2B5EF4-FFF2-40B4-BE49-F238E27FC236}">
+                <a16:creationId xmlns:a16="http://schemas.microsoft.com/office/drawing/2014/main" id="{39A2B5ED-DA66-334E-863E-32FBAF86193D}"/>
+              </a:ext>
+            </a:extLst>
+          </p:cNvPr>
+          <p:cNvCxnSpPr>
+            <a:cxnSpLocks/>
+          </p:cNvCxnSpPr>
+          <p:nvPr/>
+        </p:nvCxnSpPr>
+        <p:spPr>
+          <a:xfrm rot="2411354" flipV="1">
+            <a:off x="9551788" y="3676895"/>
+            <a:ext cx="0" cy="1668982"/>
+          </a:xfrm>
+          <a:prstGeom prst="line">
+            <a:avLst/>
+          </a:prstGeom>
+          <a:ln>
+            <a:prstDash val="dash"/>
+          </a:ln>
+        </p:spPr>
+        <p:style>
+          <a:lnRef idx="1">
+            <a:schemeClr val="dk1"/>
+          </a:lnRef>
+          <a:fillRef idx="0">
+            <a:schemeClr val="dk1"/>
+          </a:fillRef>
+          <a:effectRef idx="0">
+            <a:schemeClr val="dk1"/>
+          </a:effectRef>
+          <a:fontRef idx="minor">
+            <a:schemeClr val="tx1"/>
+          </a:fontRef>
+        </p:style>
+      </p:cxnSp>
+      <p:cxnSp>
+        <p:nvCxnSpPr>
+          <p:cNvPr id="13" name="Straight Connector 12">
+            <a:extLst>
+              <a:ext uri="{FF2B5EF4-FFF2-40B4-BE49-F238E27FC236}">
+                <a16:creationId xmlns:a16="http://schemas.microsoft.com/office/drawing/2014/main" id="{5AF8B092-79B1-C24B-B2EF-04ECBE5B1D2C}"/>
+              </a:ext>
+            </a:extLst>
+          </p:cNvPr>
+          <p:cNvCxnSpPr>
+            <a:cxnSpLocks/>
+          </p:cNvCxnSpPr>
+          <p:nvPr/>
+        </p:nvCxnSpPr>
+        <p:spPr>
+          <a:xfrm rot="2411354">
+            <a:off x="8878305" y="4511386"/>
+            <a:ext cx="1346965" cy="0"/>
+          </a:xfrm>
+          <a:prstGeom prst="line">
+            <a:avLst/>
+          </a:prstGeom>
+          <a:ln>
+            <a:headEnd type="triangle" w="med" len="med"/>
+            <a:tailEnd type="triangle" w="med" len="med"/>
+          </a:ln>
+        </p:spPr>
+        <p:style>
+          <a:lnRef idx="1">
+            <a:schemeClr val="dk1"/>
+          </a:lnRef>
+          <a:fillRef idx="0">
+            <a:schemeClr val="dk1"/>
+          </a:fillRef>
+          <a:effectRef idx="0">
+            <a:schemeClr val="dk1"/>
+          </a:effectRef>
+          <a:fontRef idx="minor">
+            <a:schemeClr val="tx1"/>
+          </a:fontRef>
+        </p:style>
+      </p:cxnSp>
+      <p:cxnSp>
+        <p:nvCxnSpPr>
+          <p:cNvPr id="14" name="Straight Arrow Connector 13">
+            <a:extLst>
+              <a:ext uri="{FF2B5EF4-FFF2-40B4-BE49-F238E27FC236}">
+                <a16:creationId xmlns:a16="http://schemas.microsoft.com/office/drawing/2014/main" id="{990406A0-08C6-5A44-B499-845583E16F67}"/>
+              </a:ext>
+            </a:extLst>
+          </p:cNvPr>
+          <p:cNvCxnSpPr>
+            <a:cxnSpLocks/>
+          </p:cNvCxnSpPr>
+          <p:nvPr/>
+        </p:nvCxnSpPr>
+        <p:spPr>
+          <a:xfrm rot="2411354">
+            <a:off x="6523416" y="4240494"/>
+            <a:ext cx="1221897" cy="0"/>
+          </a:xfrm>
+          <a:prstGeom prst="straightConnector1">
+            <a:avLst/>
+          </a:prstGeom>
+          <a:ln>
+            <a:solidFill>
+              <a:schemeClr val="accent4"/>
+            </a:solidFill>
+            <a:tailEnd type="triangle"/>
+          </a:ln>
+        </p:spPr>
+        <p:style>
+          <a:lnRef idx="1">
+            <a:schemeClr val="accent1"/>
+          </a:lnRef>
+          <a:fillRef idx="0">
+            <a:schemeClr val="accent1"/>
+          </a:fillRef>
+          <a:effectRef idx="0">
+            <a:schemeClr val="accent1"/>
+          </a:effectRef>
+          <a:fontRef idx="minor">
+            <a:schemeClr val="tx1"/>
+          </a:fontRef>
+        </p:style>
+      </p:cxnSp>
+      <p:cxnSp>
+        <p:nvCxnSpPr>
+          <p:cNvPr id="16" name="Straight Arrow Connector 15">
+            <a:extLst>
+              <a:ext uri="{FF2B5EF4-FFF2-40B4-BE49-F238E27FC236}">
+                <a16:creationId xmlns:a16="http://schemas.microsoft.com/office/drawing/2014/main" id="{DAC506FF-5A53-7A47-A6EA-EA93754EB905}"/>
+              </a:ext>
+            </a:extLst>
+          </p:cNvPr>
+          <p:cNvCxnSpPr>
+            <a:cxnSpLocks/>
+          </p:cNvCxnSpPr>
+          <p:nvPr/>
+        </p:nvCxnSpPr>
+        <p:spPr>
+          <a:xfrm rot="2411354" flipV="1">
+            <a:off x="7019492" y="3148680"/>
+            <a:ext cx="0" cy="1034432"/>
+          </a:xfrm>
+          <a:prstGeom prst="straightConnector1">
+            <a:avLst/>
+          </a:prstGeom>
+          <a:ln>
+            <a:solidFill>
+              <a:schemeClr val="accent4"/>
+            </a:solidFill>
+            <a:tailEnd type="triangle"/>
+          </a:ln>
+        </p:spPr>
+        <p:style>
+          <a:lnRef idx="1">
+            <a:schemeClr val="accent1"/>
+          </a:lnRef>
+          <a:fillRef idx="0">
+            <a:schemeClr val="accent1"/>
+          </a:fillRef>
+          <a:effectRef idx="0">
+            <a:schemeClr val="accent1"/>
+          </a:effectRef>
+          <a:fontRef idx="minor">
+            <a:schemeClr val="tx1"/>
+          </a:fontRef>
+        </p:style>
+      </p:cxnSp>
+      <mc:AlternateContent xmlns:mc="http://schemas.openxmlformats.org/markup-compatibility/2006">
+        <mc:Choice xmlns:a14="http://schemas.microsoft.com/office/drawing/2010/main" Requires="a14">
+          <p:sp>
+            <p:nvSpPr>
+              <p:cNvPr id="18" name="TextBox 17">
+                <a:extLst>
+                  <a:ext uri="{FF2B5EF4-FFF2-40B4-BE49-F238E27FC236}">
+                    <a16:creationId xmlns:a16="http://schemas.microsoft.com/office/drawing/2014/main" id="{E71B1DD9-8602-A64B-9B49-FFC645D1CDB7}"/>
+                  </a:ext>
+                </a:extLst>
+              </p:cNvPr>
+              <p:cNvSpPr txBox="1"/>
+              <p:nvPr/>
+            </p:nvSpPr>
+            <p:spPr>
+              <a:xfrm rot="2411354">
+                <a:off x="7287140" y="4543384"/>
+                <a:ext cx="376450" cy="369332"/>
+              </a:xfrm>
+              <a:prstGeom prst="rect">
+                <a:avLst/>
+              </a:prstGeom>
+              <a:noFill/>
+            </p:spPr>
+            <p:txBody>
+              <a:bodyPr wrap="none" rtlCol="0">
+                <a:spAutoFit/>
+              </a:bodyPr>
+              <a:lstStyle/>
+              <a:p>
+                <a14:m>
+                  <m:oMathPara xmlns:m="http://schemas.openxmlformats.org/officeDocument/2006/math">
+                    <m:oMathParaPr>
+                      <m:jc m:val="centerGroup"/>
+                    </m:oMathParaPr>
+                    <m:oMath xmlns:m="http://schemas.openxmlformats.org/officeDocument/2006/math">
+                      <m:r>
+                        <a:rPr lang="en-US" i="1" dirty="0" smtClean="0">
+                          <a:latin typeface="Cambria Math" panose="02040503050406030204" pitchFamily="18" charset="0"/>
+                        </a:rPr>
+                        <m:t>𝑢</m:t>
+                      </m:r>
+                    </m:oMath>
+                  </m:oMathPara>
+                </a14:m>
+                <a:endParaRPr lang="en-US" dirty="0"/>
+              </a:p>
+            </p:txBody>
+          </p:sp>
+        </mc:Choice>
+        <mc:Fallback>
+          <p:sp>
+            <p:nvSpPr>
+              <p:cNvPr id="18" name="TextBox 17">
+                <a:extLst>
+                  <a:ext uri="{FF2B5EF4-FFF2-40B4-BE49-F238E27FC236}">
+                    <a16:creationId xmlns:a16="http://schemas.microsoft.com/office/drawing/2014/main" id="{E71B1DD9-8602-A64B-9B49-FFC645D1CDB7}"/>
+                  </a:ext>
+                </a:extLst>
+              </p:cNvPr>
+              <p:cNvSpPr txBox="1">
+                <a:spLocks noRot="1" noChangeAspect="1" noMove="1" noResize="1" noEditPoints="1" noAdjustHandles="1" noChangeArrowheads="1" noChangeShapeType="1" noTextEdit="1"/>
+              </p:cNvSpPr>
+              <p:nvPr/>
+            </p:nvSpPr>
+            <p:spPr>
+              <a:xfrm rot="2411354">
+                <a:off x="7287140" y="4543384"/>
+                <a:ext cx="376450" cy="369332"/>
+              </a:xfrm>
+              <a:prstGeom prst="rect">
+                <a:avLst/>
+              </a:prstGeom>
+              <a:blipFill>
+                <a:blip r:embed="rId2"/>
+                <a:stretch>
+                  <a:fillRect/>
+                </a:stretch>
+              </a:blipFill>
+            </p:spPr>
+            <p:txBody>
+              <a:bodyPr/>
+              <a:lstStyle/>
+              <a:p>
+                <a:r>
+                  <a:rPr lang="en-US">
+                    <a:noFill/>
+                  </a:rPr>
+                  <a:t> </a:t>
+                </a:r>
+              </a:p>
+            </p:txBody>
+          </p:sp>
+        </mc:Fallback>
+      </mc:AlternateContent>
+      <mc:AlternateContent xmlns:mc="http://schemas.openxmlformats.org/markup-compatibility/2006">
+        <mc:Choice xmlns:a14="http://schemas.microsoft.com/office/drawing/2010/main" Requires="a14">
+          <p:sp>
+            <p:nvSpPr>
+              <p:cNvPr id="19" name="TextBox 18">
+                <a:extLst>
+                  <a:ext uri="{FF2B5EF4-FFF2-40B4-BE49-F238E27FC236}">
+                    <a16:creationId xmlns:a16="http://schemas.microsoft.com/office/drawing/2014/main" id="{DE29A3A7-FE3E-8240-B18D-2A8B8442A77F}"/>
+                  </a:ext>
+                </a:extLst>
+              </p:cNvPr>
+              <p:cNvSpPr txBox="1"/>
+              <p:nvPr/>
+            </p:nvSpPr>
+            <p:spPr>
+              <a:xfrm rot="2411354">
+                <a:off x="7263798" y="3220376"/>
+                <a:ext cx="369332" cy="369332"/>
+              </a:xfrm>
+              <a:prstGeom prst="rect">
+                <a:avLst/>
+              </a:prstGeom>
+              <a:noFill/>
+            </p:spPr>
+            <p:txBody>
+              <a:bodyPr wrap="none" rtlCol="0">
+                <a:spAutoFit/>
+              </a:bodyPr>
+              <a:lstStyle/>
+              <a:p>
+                <a14:m>
+                  <m:oMathPara xmlns:m="http://schemas.openxmlformats.org/officeDocument/2006/math">
+                    <m:oMathParaPr>
+                      <m:jc m:val="centerGroup"/>
+                    </m:oMathParaPr>
+                    <m:oMath xmlns:m="http://schemas.openxmlformats.org/officeDocument/2006/math">
+                      <m:r>
+                        <a:rPr lang="en-GB" b="0" i="1" smtClean="0">
+                          <a:latin typeface="Cambria Math" panose="02040503050406030204" pitchFamily="18" charset="0"/>
+                        </a:rPr>
+                        <m:t>𝑣</m:t>
+                      </m:r>
+                    </m:oMath>
+                  </m:oMathPara>
+                </a14:m>
+                <a:endParaRPr lang="en-US" dirty="0"/>
+              </a:p>
+            </p:txBody>
+          </p:sp>
+        </mc:Choice>
+        <mc:Fallback>
+          <p:sp>
+            <p:nvSpPr>
+              <p:cNvPr id="19" name="TextBox 18">
+                <a:extLst>
+                  <a:ext uri="{FF2B5EF4-FFF2-40B4-BE49-F238E27FC236}">
+                    <a16:creationId xmlns:a16="http://schemas.microsoft.com/office/drawing/2014/main" id="{DE29A3A7-FE3E-8240-B18D-2A8B8442A77F}"/>
+                  </a:ext>
+                </a:extLst>
+              </p:cNvPr>
+              <p:cNvSpPr txBox="1">
+                <a:spLocks noRot="1" noChangeAspect="1" noMove="1" noResize="1" noEditPoints="1" noAdjustHandles="1" noChangeArrowheads="1" noChangeShapeType="1" noTextEdit="1"/>
+              </p:cNvSpPr>
+              <p:nvPr/>
+            </p:nvSpPr>
+            <p:spPr>
+              <a:xfrm rot="2411354">
+                <a:off x="7263798" y="3220376"/>
+                <a:ext cx="369332" cy="369332"/>
+              </a:xfrm>
+              <a:prstGeom prst="rect">
+                <a:avLst/>
+              </a:prstGeom>
+              <a:blipFill>
+                <a:blip r:embed="rId3"/>
+                <a:stretch>
+                  <a:fillRect/>
+                </a:stretch>
+              </a:blipFill>
+            </p:spPr>
+            <p:txBody>
+              <a:bodyPr/>
+              <a:lstStyle/>
+              <a:p>
+                <a:r>
+                  <a:rPr lang="en-US">
+                    <a:noFill/>
+                  </a:rPr>
+                  <a:t> </a:t>
+                </a:r>
+              </a:p>
+            </p:txBody>
+          </p:sp>
+        </mc:Fallback>
+      </mc:AlternateContent>
+    </p:spTree>
+    <p:extLst>
+      <p:ext uri="{BB962C8B-B14F-4D97-AF65-F5344CB8AC3E}">
+        <p14:creationId xmlns:p14="http://schemas.microsoft.com/office/powerpoint/2010/main" val="2821814984"/>
+      </p:ext>
+    </p:extLst>
+  </p:cSld>
+  <p:clrMapOvr>
+    <a:masterClrMapping/>
+  </p:clrMapOvr>
+  <p:timing>
+    <p:tnLst>
+      <p:par>
+        <p:cTn id="1" dur="indefinite" restart="never" nodeType="tmRoot">
+          <p:childTnLst>
+            <p:seq concurrent="1" nextAc="seek">
+              <p:cTn id="2" dur="indefinite" nodeType="mainSeq">
+                <p:childTnLst>
+                  <p:par>
+                    <p:cTn id="3" fill="hold">
+                      <p:stCondLst>
+                        <p:cond delay="indefinite"/>
+                      </p:stCondLst>
+                      <p:childTnLst>
+                        <p:par>
+                          <p:cTn id="4" fill="hold">
+                            <p:stCondLst>
+                              <p:cond delay="0"/>
+                            </p:stCondLst>
+                            <p:childTnLst>
+                              <p:par>
+                                <p:cTn id="5" presetID="1" presetClass="entr" presetSubtype="0" fill="hold" grpId="0" nodeType="clickEffect">
+                                  <p:stCondLst>
+                                    <p:cond delay="0"/>
+                                  </p:stCondLst>
+                                  <p:childTnLst>
+                                    <p:set>
+                                      <p:cBhvr>
+                                        <p:cTn id="6" dur="1" fill="hold">
+                                          <p:stCondLst>
+                                            <p:cond delay="0"/>
+                                          </p:stCondLst>
+                                        </p:cTn>
+                                        <p:tgtEl>
+                                          <p:spTgt spid="3">
+                                            <p:txEl>
+                                              <p:pRg st="0" end="0"/>
+                                            </p:txEl>
+                                          </p:spTgt>
+                                        </p:tgtEl>
+                                        <p:attrNameLst>
+                                          <p:attrName>style.visibility</p:attrName>
+                                        </p:attrNameLst>
+                                      </p:cBhvr>
+                                      <p:to>
+                                        <p:strVal val="visible"/>
+                                      </p:to>
+                                    </p:set>
+                                  </p:childTnLst>
+                                </p:cTn>
+                              </p:par>
+                            </p:childTnLst>
+                          </p:cTn>
+                        </p:par>
+                      </p:childTnLst>
+                    </p:cTn>
+                  </p:par>
+                  <p:par>
+                    <p:cTn id="7" fill="hold">
+                      <p:stCondLst>
+                        <p:cond delay="indefinite"/>
+                      </p:stCondLst>
+                      <p:childTnLst>
+                        <p:par>
+                          <p:cTn id="8" fill="hold">
+                            <p:stCondLst>
+                              <p:cond delay="0"/>
+                            </p:stCondLst>
+                            <p:childTnLst>
+                              <p:par>
+                                <p:cTn id="9" presetID="1" presetClass="entr" presetSubtype="0" fill="hold" grpId="0" nodeType="clickEffect">
+                                  <p:stCondLst>
+                                    <p:cond delay="0"/>
+                                  </p:stCondLst>
+                                  <p:childTnLst>
+                                    <p:set>
+                                      <p:cBhvr>
+                                        <p:cTn id="10" dur="1" fill="hold">
+                                          <p:stCondLst>
+                                            <p:cond delay="0"/>
+                                          </p:stCondLst>
+                                        </p:cTn>
+                                        <p:tgtEl>
+                                          <p:spTgt spid="3">
+                                            <p:txEl>
+                                              <p:pRg st="1" end="1"/>
+                                            </p:txEl>
+                                          </p:spTgt>
+                                        </p:tgtEl>
+                                        <p:attrNameLst>
+                                          <p:attrName>style.visibility</p:attrName>
+                                        </p:attrNameLst>
+                                      </p:cBhvr>
+                                      <p:to>
+                                        <p:strVal val="visible"/>
+                                      </p:to>
+                                    </p:set>
+                                  </p:childTnLst>
+                                </p:cTn>
+                              </p:par>
+                            </p:childTnLst>
+                          </p:cTn>
+                        </p:par>
+                      </p:childTnLst>
+                    </p:cTn>
+                  </p:par>
+                  <p:par>
+                    <p:cTn id="11" fill="hold">
+                      <p:stCondLst>
+                        <p:cond delay="indefinite"/>
+                      </p:stCondLst>
+                      <p:childTnLst>
+                        <p:par>
+                          <p:cTn id="12" fill="hold">
+                            <p:stCondLst>
+                              <p:cond delay="0"/>
+                            </p:stCondLst>
+                            <p:childTnLst>
+                              <p:par>
+                                <p:cTn id="13" presetID="1" presetClass="entr" presetSubtype="0" fill="hold" nodeType="clickEffect">
+                                  <p:stCondLst>
+                                    <p:cond delay="0"/>
+                                  </p:stCondLst>
+                                  <p:childTnLst>
+                                    <p:set>
+                                      <p:cBhvr>
+                                        <p:cTn id="14" dur="1" fill="hold">
+                                          <p:stCondLst>
+                                            <p:cond delay="0"/>
+                                          </p:stCondLst>
+                                        </p:cTn>
+                                        <p:tgtEl>
+                                          <p:spTgt spid="16"/>
+                                        </p:tgtEl>
+                                        <p:attrNameLst>
+                                          <p:attrName>style.visibility</p:attrName>
+                                        </p:attrNameLst>
+                                      </p:cBhvr>
+                                      <p:to>
+                                        <p:strVal val="visible"/>
+                                      </p:to>
+                                    </p:set>
+                                  </p:childTnLst>
+                                </p:cTn>
+                              </p:par>
+                              <p:par>
+                                <p:cTn id="15" presetID="1" presetClass="entr" presetSubtype="0" fill="hold" grpId="0" nodeType="withEffect">
+                                  <p:stCondLst>
+                                    <p:cond delay="0"/>
+                                  </p:stCondLst>
+                                  <p:childTnLst>
+                                    <p:set>
+                                      <p:cBhvr>
+                                        <p:cTn id="16" dur="1" fill="hold">
+                                          <p:stCondLst>
+                                            <p:cond delay="0"/>
+                                          </p:stCondLst>
+                                        </p:cTn>
+                                        <p:tgtEl>
+                                          <p:spTgt spid="18"/>
+                                        </p:tgtEl>
+                                        <p:attrNameLst>
+                                          <p:attrName>style.visibility</p:attrName>
+                                        </p:attrNameLst>
+                                      </p:cBhvr>
+                                      <p:to>
+                                        <p:strVal val="visible"/>
+                                      </p:to>
+                                    </p:set>
+                                  </p:childTnLst>
+                                </p:cTn>
+                              </p:par>
+                              <p:par>
+                                <p:cTn id="17" presetID="1" presetClass="entr" presetSubtype="0" fill="hold" nodeType="withEffect">
+                                  <p:stCondLst>
+                                    <p:cond delay="0"/>
+                                  </p:stCondLst>
+                                  <p:childTnLst>
+                                    <p:set>
+                                      <p:cBhvr>
+                                        <p:cTn id="18" dur="1" fill="hold">
+                                          <p:stCondLst>
+                                            <p:cond delay="0"/>
+                                          </p:stCondLst>
+                                        </p:cTn>
+                                        <p:tgtEl>
+                                          <p:spTgt spid="14"/>
+                                        </p:tgtEl>
+                                        <p:attrNameLst>
+                                          <p:attrName>style.visibility</p:attrName>
+                                        </p:attrNameLst>
+                                      </p:cBhvr>
+                                      <p:to>
+                                        <p:strVal val="visible"/>
+                                      </p:to>
+                                    </p:set>
+                                  </p:childTnLst>
+                                </p:cTn>
+                              </p:par>
+                              <p:par>
+                                <p:cTn id="19" presetID="1" presetClass="entr" presetSubtype="0" fill="hold" grpId="0" nodeType="withEffect">
+                                  <p:stCondLst>
+                                    <p:cond delay="0"/>
+                                  </p:stCondLst>
+                                  <p:childTnLst>
+                                    <p:set>
+                                      <p:cBhvr>
+                                        <p:cTn id="20" dur="1" fill="hold">
+                                          <p:stCondLst>
+                                            <p:cond delay="0"/>
+                                          </p:stCondLst>
+                                        </p:cTn>
+                                        <p:tgtEl>
+                                          <p:spTgt spid="19"/>
+                                        </p:tgtEl>
+                                        <p:attrNameLst>
+                                          <p:attrName>style.visibility</p:attrName>
+                                        </p:attrNameLst>
+                                      </p:cBhvr>
+                                      <p:to>
+                                        <p:strVal val="visible"/>
+                                      </p:to>
+                                    </p:set>
+                                  </p:childTnLst>
+                                </p:cTn>
+                              </p:par>
+                            </p:childTnLst>
+                          </p:cTn>
+                        </p:par>
+                      </p:childTnLst>
+                    </p:cTn>
+                  </p:par>
+                  <p:par>
+                    <p:cTn id="21" fill="hold">
+                      <p:stCondLst>
+                        <p:cond delay="indefinite"/>
+                      </p:stCondLst>
+                      <p:childTnLst>
+                        <p:par>
+                          <p:cTn id="22" fill="hold">
+                            <p:stCondLst>
+                              <p:cond delay="0"/>
+                            </p:stCondLst>
+                            <p:childTnLst>
+                              <p:par>
+                                <p:cTn id="23" presetID="1" presetClass="entr" presetSubtype="0" fill="hold" grpId="0" nodeType="clickEffect">
+                                  <p:stCondLst>
+                                    <p:cond delay="0"/>
+                                  </p:stCondLst>
+                                  <p:childTnLst>
+                                    <p:set>
+                                      <p:cBhvr>
+                                        <p:cTn id="24" dur="1" fill="hold">
+                                          <p:stCondLst>
+                                            <p:cond delay="0"/>
+                                          </p:stCondLst>
+                                        </p:cTn>
+                                        <p:tgtEl>
+                                          <p:spTgt spid="3">
+                                            <p:txEl>
+                                              <p:pRg st="2" end="2"/>
+                                            </p:txEl>
+                                          </p:spTgt>
+                                        </p:tgtEl>
+                                        <p:attrNameLst>
+                                          <p:attrName>style.visibility</p:attrName>
+                                        </p:attrNameLst>
+                                      </p:cBhvr>
+                                      <p:to>
+                                        <p:strVal val="visible"/>
+                                      </p:to>
+                                    </p:set>
+                                  </p:childTnLst>
+                                </p:cTn>
+                              </p:par>
+                            </p:childTnLst>
+                          </p:cTn>
+                        </p:par>
+                      </p:childTnLst>
+                    </p:cTn>
+                  </p:par>
+                  <p:par>
+                    <p:cTn id="25" fill="hold">
+                      <p:stCondLst>
+                        <p:cond delay="indefinite"/>
+                      </p:stCondLst>
+                      <p:childTnLst>
+                        <p:par>
+                          <p:cTn id="26" fill="hold">
+                            <p:stCondLst>
+                              <p:cond delay="0"/>
+                            </p:stCondLst>
+                            <p:childTnLst>
+                              <p:par>
+                                <p:cTn id="27" presetID="1" presetClass="entr" presetSubtype="0" fill="hold" grpId="0" nodeType="clickEffect">
+                                  <p:stCondLst>
+                                    <p:cond delay="0"/>
+                                  </p:stCondLst>
+                                  <p:childTnLst>
+                                    <p:set>
+                                      <p:cBhvr>
+                                        <p:cTn id="28" dur="1" fill="hold">
+                                          <p:stCondLst>
+                                            <p:cond delay="0"/>
+                                          </p:stCondLst>
+                                        </p:cTn>
+                                        <p:tgtEl>
+                                          <p:spTgt spid="3">
+                                            <p:txEl>
+                                              <p:pRg st="3" end="3"/>
+                                            </p:txEl>
+                                          </p:spTgt>
+                                        </p:tgtEl>
+                                        <p:attrNameLst>
+                                          <p:attrName>style.visibility</p:attrName>
+                                        </p:attrNameLst>
+                                      </p:cBhvr>
+                                      <p:to>
+                                        <p:strVal val="visible"/>
+                                      </p:to>
+                                    </p:set>
+                                  </p:childTnLst>
+                                </p:cTn>
+                              </p:par>
+                            </p:childTnLst>
+                          </p:cTn>
+                        </p:par>
+                      </p:childTnLst>
+                    </p:cTn>
+                  </p:par>
+                </p:childTnLst>
+              </p:cTn>
+              <p:prevCondLst>
+                <p:cond evt="onPrev" delay="0">
+                  <p:tgtEl>
+                    <p:sldTgt/>
+                  </p:tgtEl>
+                </p:cond>
+              </p:prevCondLst>
+              <p:nextCondLst>
+                <p:cond evt="onNext" delay="0">
+                  <p:tgtEl>
+                    <p:sldTgt/>
+                  </p:tgtEl>
+                </p:cond>
+              </p:nextCondLst>
+            </p:seq>
+          </p:childTnLst>
+        </p:cTn>
+      </p:par>
+    </p:tnLst>
+    <p:bldLst>
+      <p:bldP spid="3" grpId="0" uiExpand="1" build="p"/>
+      <p:bldP spid="18" grpId="0"/>
+      <p:bldP spid="19" grpId="0"/>
+    </p:bldLst>
+  </p:timing>
+</p:sld>
+</file>
+
+<file path=ppt/slides/slide25.xml><?xml version="1.0" encoding="utf-8"?>
+<p:sld xmlns:a="http://schemas.openxmlformats.org/drawingml/2006/main" xmlns:r="http://schemas.openxmlformats.org/officeDocument/2006/relationships" xmlns:p="http://schemas.openxmlformats.org/presentationml/2006/main">
+  <p:cSld>
+    <p:spTree>
+      <p:nvGrpSpPr>
+        <p:cNvPr id="1" name=""/>
+        <p:cNvGrpSpPr/>
+        <p:nvPr/>
+      </p:nvGrpSpPr>
+      <p:grpSpPr>
+        <a:xfrm>
+          <a:off x="0" y="0"/>
+          <a:ext cx="0" cy="0"/>
+          <a:chOff x="0" y="0"/>
+          <a:chExt cx="0" cy="0"/>
+        </a:xfrm>
+      </p:grpSpPr>
+      <p:sp>
+        <p:nvSpPr>
+          <p:cNvPr id="2" name="Title 1">
+            <a:extLst>
+              <a:ext uri="{FF2B5EF4-FFF2-40B4-BE49-F238E27FC236}">
+                <a16:creationId xmlns:a16="http://schemas.microsoft.com/office/drawing/2014/main" id="{175C9E19-1DC1-B543-A882-BD188D53431B}"/>
+              </a:ext>
+            </a:extLst>
+          </p:cNvPr>
+          <p:cNvSpPr>
+            <a:spLocks noGrp="1"/>
+          </p:cNvSpPr>
+          <p:nvPr>
+            <p:ph type="title"/>
+          </p:nvPr>
+        </p:nvSpPr>
+        <p:spPr/>
+        <p:txBody>
+          <a:bodyPr/>
+          <a:lstStyle/>
+          <a:p>
+            <a:r>
+              <a:rPr lang="en-US" dirty="0"/>
+              <a:t>Change in coordinate systems</a:t>
+            </a:r>
+          </a:p>
+        </p:txBody>
+      </p:sp>
+      <p:sp>
+        <p:nvSpPr>
+          <p:cNvPr id="3" name="Content Placeholder 2">
+            <a:extLst>
+              <a:ext uri="{FF2B5EF4-FFF2-40B4-BE49-F238E27FC236}">
+                <a16:creationId xmlns:a16="http://schemas.microsoft.com/office/drawing/2014/main" id="{7CFAEA66-FD8C-0141-9F1D-C15B7540A56F}"/>
+              </a:ext>
+            </a:extLst>
+          </p:cNvPr>
+          <p:cNvSpPr>
+            <a:spLocks noGrp="1"/>
+          </p:cNvSpPr>
+          <p:nvPr>
+            <p:ph idx="1"/>
+          </p:nvPr>
+        </p:nvSpPr>
+        <p:spPr>
+          <a:xfrm>
+            <a:off x="1097280" y="2108201"/>
+            <a:ext cx="5700030" cy="3760891"/>
+          </a:xfrm>
+        </p:spPr>
+        <p:txBody>
+          <a:bodyPr>
+            <a:normAutofit lnSpcReduction="10000"/>
+          </a:bodyPr>
+          <a:lstStyle/>
+          <a:p>
+            <a:r>
+              <a:rPr lang="en-US" dirty="0"/>
+              <a:t>Under the new coordinates, reaction force acts along the u axis</a:t>
+            </a:r>
+          </a:p>
+          <a:p>
+            <a:r>
+              <a:rPr lang="en-US" dirty="0"/>
+              <a:t>So can calculate collision response just by using u components of vectors</a:t>
+            </a:r>
+          </a:p>
+          <a:p>
+            <a:r>
+              <a:rPr lang="en-US" dirty="0"/>
+              <a:t>This is a common trick – solving problems by </a:t>
+            </a:r>
+            <a:r>
+              <a:rPr lang="en-US" b="1" dirty="0"/>
+              <a:t>transforming</a:t>
+            </a:r>
+            <a:r>
+              <a:rPr lang="en-US" dirty="0"/>
+              <a:t> to a more convenient coordinate system</a:t>
+            </a:r>
+          </a:p>
+        </p:txBody>
+      </p:sp>
+      <p:grpSp>
+        <p:nvGrpSpPr>
+          <p:cNvPr id="20" name="Group 19">
+            <a:extLst>
+              <a:ext uri="{FF2B5EF4-FFF2-40B4-BE49-F238E27FC236}">
+                <a16:creationId xmlns:a16="http://schemas.microsoft.com/office/drawing/2014/main" id="{50F57842-0D92-E14A-B464-1B332332DABC}"/>
+              </a:ext>
+            </a:extLst>
+          </p:cNvPr>
+          <p:cNvGrpSpPr/>
+          <p:nvPr/>
+        </p:nvGrpSpPr>
+        <p:grpSpPr>
+          <a:xfrm>
+            <a:off x="6859844" y="2983826"/>
+            <a:ext cx="4218867" cy="2813229"/>
+            <a:chOff x="6859844" y="2983826"/>
+            <a:chExt cx="4218867" cy="2813229"/>
+          </a:xfrm>
+        </p:grpSpPr>
+        <p:sp>
+          <p:nvSpPr>
+            <p:cNvPr id="9" name="Oval 8">
+              <a:extLst>
+                <a:ext uri="{FF2B5EF4-FFF2-40B4-BE49-F238E27FC236}">
+                  <a16:creationId xmlns:a16="http://schemas.microsoft.com/office/drawing/2014/main" id="{C7F80E8F-91CA-5646-BAA1-DC64377EF5F0}"/>
+                </a:ext>
+              </a:extLst>
+            </p:cNvPr>
+            <p:cNvSpPr/>
+            <p:nvPr/>
+          </p:nvSpPr>
+          <p:spPr>
+            <a:xfrm>
+              <a:off x="7234637" y="2983826"/>
+              <a:ext cx="2257678" cy="2257678"/>
+            </a:xfrm>
+            <a:prstGeom prst="ellipse">
+              <a:avLst/>
+            </a:prstGeom>
+          </p:spPr>
+          <p:style>
+            <a:lnRef idx="2">
+              <a:schemeClr val="accent1">
+                <a:shade val="50000"/>
+              </a:schemeClr>
+            </a:lnRef>
+            <a:fillRef idx="1">
+              <a:schemeClr val="accent1"/>
+            </a:fillRef>
+            <a:effectRef idx="0">
+              <a:schemeClr val="accent1"/>
+            </a:effectRef>
+            <a:fontRef idx="minor">
+              <a:schemeClr val="lt1"/>
+            </a:fontRef>
+          </p:style>
+          <p:txBody>
+            <a:bodyPr rtlCol="0" anchor="ctr"/>
+            <a:lstStyle/>
+            <a:p>
+              <a:pPr algn="ctr"/>
+              <a:endParaRPr lang="en-GB"/>
+            </a:p>
+          </p:txBody>
+        </p:sp>
+        <p:sp>
+          <p:nvSpPr>
+            <p:cNvPr id="11" name="Oval 10">
+              <a:extLst>
+                <a:ext uri="{FF2B5EF4-FFF2-40B4-BE49-F238E27FC236}">
+                  <a16:creationId xmlns:a16="http://schemas.microsoft.com/office/drawing/2014/main" id="{84912980-F3EC-1F41-863A-BBC60CE05F76}"/>
+                </a:ext>
+              </a:extLst>
+            </p:cNvPr>
+            <p:cNvSpPr/>
+            <p:nvPr/>
+          </p:nvSpPr>
+          <p:spPr>
+            <a:xfrm>
+              <a:off x="9495365" y="3320992"/>
+              <a:ext cx="1583346" cy="1583346"/>
+            </a:xfrm>
+            <a:prstGeom prst="ellipse">
+              <a:avLst/>
+            </a:prstGeom>
+          </p:spPr>
+          <p:style>
+            <a:lnRef idx="2">
+              <a:schemeClr val="accent1">
+                <a:shade val="50000"/>
+              </a:schemeClr>
+            </a:lnRef>
+            <a:fillRef idx="1">
+              <a:schemeClr val="accent1"/>
+            </a:fillRef>
+            <a:effectRef idx="0">
+              <a:schemeClr val="accent1"/>
+            </a:effectRef>
+            <a:fontRef idx="minor">
+              <a:schemeClr val="lt1"/>
+            </a:fontRef>
+          </p:style>
+          <p:txBody>
+            <a:bodyPr rtlCol="0" anchor="ctr"/>
+            <a:lstStyle/>
+            <a:p>
+              <a:pPr algn="ctr"/>
+              <a:endParaRPr lang="en-GB"/>
+            </a:p>
+          </p:txBody>
+        </p:sp>
+        <p:cxnSp>
+          <p:nvCxnSpPr>
+            <p:cNvPr id="12" name="Straight Connector 11">
+              <a:extLst>
+                <a:ext uri="{FF2B5EF4-FFF2-40B4-BE49-F238E27FC236}">
+                  <a16:creationId xmlns:a16="http://schemas.microsoft.com/office/drawing/2014/main" id="{39A2B5ED-DA66-334E-863E-32FBAF86193D}"/>
+                </a:ext>
+              </a:extLst>
+            </p:cNvPr>
+            <p:cNvCxnSpPr>
+              <a:cxnSpLocks/>
+            </p:cNvCxnSpPr>
+            <p:nvPr/>
+          </p:nvCxnSpPr>
+          <p:spPr>
+            <a:xfrm flipV="1">
+              <a:off x="9492315" y="3272440"/>
+              <a:ext cx="0" cy="1668982"/>
+            </a:xfrm>
+            <a:prstGeom prst="line">
+              <a:avLst/>
+            </a:prstGeom>
+            <a:ln>
+              <a:prstDash val="dash"/>
+            </a:ln>
+          </p:spPr>
+          <p:style>
+            <a:lnRef idx="1">
+              <a:schemeClr val="dk1"/>
+            </a:lnRef>
+            <a:fillRef idx="0">
+              <a:schemeClr val="dk1"/>
+            </a:fillRef>
+            <a:effectRef idx="0">
+              <a:schemeClr val="dk1"/>
+            </a:effectRef>
+            <a:fontRef idx="minor">
+              <a:schemeClr val="tx1"/>
+            </a:fontRef>
+          </p:style>
+        </p:cxnSp>
+        <p:cxnSp>
+          <p:nvCxnSpPr>
+            <p:cNvPr id="13" name="Straight Connector 12">
+              <a:extLst>
+                <a:ext uri="{FF2B5EF4-FFF2-40B4-BE49-F238E27FC236}">
+                  <a16:creationId xmlns:a16="http://schemas.microsoft.com/office/drawing/2014/main" id="{5AF8B092-79B1-C24B-B2EF-04ECBE5B1D2C}"/>
+                </a:ext>
+              </a:extLst>
+            </p:cNvPr>
+            <p:cNvCxnSpPr>
+              <a:cxnSpLocks/>
+            </p:cNvCxnSpPr>
+            <p:nvPr/>
+          </p:nvCxnSpPr>
+          <p:spPr>
+            <a:xfrm>
+              <a:off x="8818832" y="4106931"/>
+              <a:ext cx="1346965" cy="0"/>
+            </a:xfrm>
+            <a:prstGeom prst="line">
+              <a:avLst/>
+            </a:prstGeom>
+            <a:ln>
+              <a:headEnd type="triangle" w="med" len="med"/>
+              <a:tailEnd type="triangle" w="med" len="med"/>
+            </a:ln>
+          </p:spPr>
+          <p:style>
+            <a:lnRef idx="1">
+              <a:schemeClr val="dk1"/>
+            </a:lnRef>
+            <a:fillRef idx="0">
+              <a:schemeClr val="dk1"/>
+            </a:fillRef>
+            <a:effectRef idx="0">
+              <a:schemeClr val="dk1"/>
+            </a:effectRef>
+            <a:fontRef idx="minor">
+              <a:schemeClr val="tx1"/>
+            </a:fontRef>
+          </p:style>
+        </p:cxnSp>
+        <p:cxnSp>
+          <p:nvCxnSpPr>
+            <p:cNvPr id="14" name="Straight Arrow Connector 13">
+              <a:extLst>
+                <a:ext uri="{FF2B5EF4-FFF2-40B4-BE49-F238E27FC236}">
+                  <a16:creationId xmlns:a16="http://schemas.microsoft.com/office/drawing/2014/main" id="{990406A0-08C6-5A44-B499-845583E16F67}"/>
+                </a:ext>
+              </a:extLst>
+            </p:cNvPr>
+            <p:cNvCxnSpPr>
+              <a:cxnSpLocks/>
+            </p:cNvCxnSpPr>
+            <p:nvPr/>
+          </p:nvCxnSpPr>
+          <p:spPr>
+            <a:xfrm>
+              <a:off x="6859844" y="5459989"/>
+              <a:ext cx="1221897" cy="0"/>
+            </a:xfrm>
+            <a:prstGeom prst="straightConnector1">
+              <a:avLst/>
+            </a:prstGeom>
+            <a:ln>
+              <a:solidFill>
+                <a:schemeClr val="accent4"/>
+              </a:solidFill>
+              <a:tailEnd type="triangle"/>
+            </a:ln>
+          </p:spPr>
+          <p:style>
+            <a:lnRef idx="1">
+              <a:schemeClr val="accent1"/>
+            </a:lnRef>
+            <a:fillRef idx="0">
+              <a:schemeClr val="accent1"/>
+            </a:fillRef>
+            <a:effectRef idx="0">
+              <a:schemeClr val="accent1"/>
+            </a:effectRef>
+            <a:fontRef idx="minor">
+              <a:schemeClr val="tx1"/>
+            </a:fontRef>
+          </p:style>
+        </p:cxnSp>
+        <p:cxnSp>
+          <p:nvCxnSpPr>
+            <p:cNvPr id="16" name="Straight Arrow Connector 15">
+              <a:extLst>
+                <a:ext uri="{FF2B5EF4-FFF2-40B4-BE49-F238E27FC236}">
+                  <a16:creationId xmlns:a16="http://schemas.microsoft.com/office/drawing/2014/main" id="{DAC506FF-5A53-7A47-A6EA-EA93754EB905}"/>
+                </a:ext>
+              </a:extLst>
+            </p:cNvPr>
+            <p:cNvCxnSpPr>
+              <a:cxnSpLocks/>
+            </p:cNvCxnSpPr>
+            <p:nvPr/>
+          </p:nvCxnSpPr>
+          <p:spPr>
+            <a:xfrm flipV="1">
+              <a:off x="7012244" y="4577957"/>
+              <a:ext cx="0" cy="1034432"/>
+            </a:xfrm>
+            <a:prstGeom prst="straightConnector1">
+              <a:avLst/>
+            </a:prstGeom>
+            <a:ln>
+              <a:solidFill>
+                <a:schemeClr val="accent4"/>
+              </a:solidFill>
+              <a:tailEnd type="triangle"/>
+            </a:ln>
+          </p:spPr>
+          <p:style>
+            <a:lnRef idx="1">
+              <a:schemeClr val="accent1"/>
+            </a:lnRef>
+            <a:fillRef idx="0">
+              <a:schemeClr val="accent1"/>
+            </a:fillRef>
+            <a:effectRef idx="0">
+              <a:schemeClr val="accent1"/>
+            </a:effectRef>
+            <a:fontRef idx="minor">
+              <a:schemeClr val="tx1"/>
+            </a:fontRef>
+          </p:style>
+        </p:cxnSp>
+        <mc:AlternateContent xmlns:mc="http://schemas.openxmlformats.org/markup-compatibility/2006">
+          <mc:Choice xmlns:a14="http://schemas.microsoft.com/office/drawing/2010/main" Requires="a14">
+            <p:sp>
+              <p:nvSpPr>
+                <p:cNvPr id="18" name="TextBox 17">
+                  <a:extLst>
+                    <a:ext uri="{FF2B5EF4-FFF2-40B4-BE49-F238E27FC236}">
+                      <a16:creationId xmlns:a16="http://schemas.microsoft.com/office/drawing/2014/main" id="{E71B1DD9-8602-A64B-9B49-FFC645D1CDB7}"/>
+                    </a:ext>
+                  </a:extLst>
+                </p:cNvPr>
+                <p:cNvSpPr txBox="1"/>
+                <p:nvPr/>
+              </p:nvSpPr>
+              <p:spPr>
+                <a:xfrm>
+                  <a:off x="7857691" y="5427723"/>
+                  <a:ext cx="376450" cy="369332"/>
+                </a:xfrm>
+                <a:prstGeom prst="rect">
+                  <a:avLst/>
+                </a:prstGeom>
+                <a:noFill/>
+              </p:spPr>
+              <p:txBody>
+                <a:bodyPr wrap="none" rtlCol="0">
+                  <a:spAutoFit/>
+                </a:bodyPr>
+                <a:lstStyle/>
+                <a:p>
+                  <a14:m>
+                    <m:oMathPara xmlns:m="http://schemas.openxmlformats.org/officeDocument/2006/math">
+                      <m:oMathParaPr>
+                        <m:jc m:val="centerGroup"/>
+                      </m:oMathParaPr>
+                      <m:oMath xmlns:m="http://schemas.openxmlformats.org/officeDocument/2006/math">
+                        <m:r>
+                          <a:rPr lang="en-US" i="1" dirty="0" smtClean="0">
+                            <a:latin typeface="Cambria Math" panose="02040503050406030204" pitchFamily="18" charset="0"/>
+                          </a:rPr>
+                          <m:t>𝑢</m:t>
+                        </m:r>
+                      </m:oMath>
+                    </m:oMathPara>
+                  </a14:m>
+                  <a:endParaRPr lang="en-US" dirty="0"/>
+                </a:p>
+              </p:txBody>
+            </p:sp>
+          </mc:Choice>
+          <mc:Fallback>
+            <p:sp>
+              <p:nvSpPr>
+                <p:cNvPr id="18" name="TextBox 17">
+                  <a:extLst>
+                    <a:ext uri="{FF2B5EF4-FFF2-40B4-BE49-F238E27FC236}">
+                      <a16:creationId xmlns:a16="http://schemas.microsoft.com/office/drawing/2014/main" id="{E71B1DD9-8602-A64B-9B49-FFC645D1CDB7}"/>
+                    </a:ext>
+                  </a:extLst>
+                </p:cNvPr>
+                <p:cNvSpPr txBox="1">
+                  <a:spLocks noRot="1" noChangeAspect="1" noMove="1" noResize="1" noEditPoints="1" noAdjustHandles="1" noChangeArrowheads="1" noChangeShapeType="1" noTextEdit="1"/>
+                </p:cNvSpPr>
+                <p:nvPr/>
+              </p:nvSpPr>
+              <p:spPr>
+                <a:xfrm>
+                  <a:off x="7857691" y="5427723"/>
+                  <a:ext cx="376450" cy="369332"/>
+                </a:xfrm>
+                <a:prstGeom prst="rect">
+                  <a:avLst/>
+                </a:prstGeom>
+                <a:blipFill>
+                  <a:blip r:embed="rId2"/>
+                  <a:stretch>
+                    <a:fillRect/>
+                  </a:stretch>
+                </a:blipFill>
+              </p:spPr>
+              <p:txBody>
+                <a:bodyPr/>
+                <a:lstStyle/>
+                <a:p>
+                  <a:r>
+                    <a:rPr lang="en-US">
+                      <a:noFill/>
+                    </a:rPr>
+                    <a:t> </a:t>
+                  </a:r>
+                </a:p>
+              </p:txBody>
+            </p:sp>
+          </mc:Fallback>
+        </mc:AlternateContent>
+        <mc:AlternateContent xmlns:mc="http://schemas.openxmlformats.org/markup-compatibility/2006">
+          <mc:Choice xmlns:a14="http://schemas.microsoft.com/office/drawing/2010/main" Requires="a14">
+            <p:sp>
+              <p:nvSpPr>
+                <p:cNvPr id="19" name="TextBox 18">
+                  <a:extLst>
+                    <a:ext uri="{FF2B5EF4-FFF2-40B4-BE49-F238E27FC236}">
+                      <a16:creationId xmlns:a16="http://schemas.microsoft.com/office/drawing/2014/main" id="{DE29A3A7-FE3E-8240-B18D-2A8B8442A77F}"/>
+                    </a:ext>
+                  </a:extLst>
+                </p:cNvPr>
+                <p:cNvSpPr txBox="1"/>
+                <p:nvPr/>
+              </p:nvSpPr>
+              <p:spPr>
+                <a:xfrm>
+                  <a:off x="6986944" y="4434414"/>
+                  <a:ext cx="369332" cy="369332"/>
+                </a:xfrm>
+                <a:prstGeom prst="rect">
+                  <a:avLst/>
+                </a:prstGeom>
+                <a:noFill/>
+              </p:spPr>
+              <p:txBody>
+                <a:bodyPr wrap="none" rtlCol="0">
+                  <a:spAutoFit/>
+                </a:bodyPr>
+                <a:lstStyle/>
+                <a:p>
+                  <a14:m>
+                    <m:oMathPara xmlns:m="http://schemas.openxmlformats.org/officeDocument/2006/math">
+                      <m:oMathParaPr>
+                        <m:jc m:val="centerGroup"/>
+                      </m:oMathParaPr>
+                      <m:oMath xmlns:m="http://schemas.openxmlformats.org/officeDocument/2006/math">
+                        <m:r>
+                          <a:rPr lang="en-GB" b="0" i="1" smtClean="0">
+                            <a:latin typeface="Cambria Math" panose="02040503050406030204" pitchFamily="18" charset="0"/>
+                          </a:rPr>
+                          <m:t>𝑣</m:t>
+                        </m:r>
+                      </m:oMath>
+                    </m:oMathPara>
+                  </a14:m>
+                  <a:endParaRPr lang="en-US" dirty="0"/>
+                </a:p>
+              </p:txBody>
+            </p:sp>
+          </mc:Choice>
+          <mc:Fallback>
+            <p:sp>
+              <p:nvSpPr>
+                <p:cNvPr id="19" name="TextBox 18">
+                  <a:extLst>
+                    <a:ext uri="{FF2B5EF4-FFF2-40B4-BE49-F238E27FC236}">
+                      <a16:creationId xmlns:a16="http://schemas.microsoft.com/office/drawing/2014/main" id="{DE29A3A7-FE3E-8240-B18D-2A8B8442A77F}"/>
+                    </a:ext>
+                  </a:extLst>
+                </p:cNvPr>
+                <p:cNvSpPr txBox="1">
+                  <a:spLocks noRot="1" noChangeAspect="1" noMove="1" noResize="1" noEditPoints="1" noAdjustHandles="1" noChangeArrowheads="1" noChangeShapeType="1" noTextEdit="1"/>
+                </p:cNvSpPr>
+                <p:nvPr/>
+              </p:nvSpPr>
+              <p:spPr>
+                <a:xfrm>
+                  <a:off x="6986944" y="4434414"/>
+                  <a:ext cx="369332" cy="369332"/>
+                </a:xfrm>
+                <a:prstGeom prst="rect">
+                  <a:avLst/>
+                </a:prstGeom>
+                <a:blipFill>
+                  <a:blip r:embed="rId3"/>
+                  <a:stretch>
+                    <a:fillRect/>
+                  </a:stretch>
+                </a:blipFill>
+              </p:spPr>
+              <p:txBody>
+                <a:bodyPr/>
+                <a:lstStyle/>
+                <a:p>
+                  <a:r>
+                    <a:rPr lang="en-US">
+                      <a:noFill/>
+                    </a:rPr>
+                    <a:t> </a:t>
+                  </a:r>
+                </a:p>
+              </p:txBody>
+            </p:sp>
+          </mc:Fallback>
+        </mc:AlternateContent>
+      </p:grpSp>
+    </p:spTree>
+    <p:extLst>
+      <p:ext uri="{BB962C8B-B14F-4D97-AF65-F5344CB8AC3E}">
+        <p14:creationId xmlns:p14="http://schemas.microsoft.com/office/powerpoint/2010/main" val="169689531"/>
+      </p:ext>
+    </p:extLst>
+  </p:cSld>
+  <p:clrMapOvr>
+    <a:masterClrMapping/>
+  </p:clrMapOvr>
+  <p:timing>
+    <p:tnLst>
+      <p:par>
+        <p:cTn id="1" dur="indefinite" restart="never" nodeType="tmRoot">
+          <p:childTnLst>
+            <p:seq concurrent="1" nextAc="seek">
+              <p:cTn id="2" dur="indefinite" nodeType="mainSeq">
+                <p:childTnLst>
+                  <p:par>
+                    <p:cTn id="3" fill="hold">
+                      <p:stCondLst>
+                        <p:cond delay="indefinite"/>
+                      </p:stCondLst>
+                      <p:childTnLst>
+                        <p:par>
+                          <p:cTn id="4" fill="hold">
+                            <p:stCondLst>
+                              <p:cond delay="0"/>
+                            </p:stCondLst>
+                            <p:childTnLst>
+                              <p:par>
+                                <p:cTn id="5" presetID="1" presetClass="entr" presetSubtype="0" fill="hold" grpId="0" nodeType="clickEffect">
+                                  <p:stCondLst>
+                                    <p:cond delay="0"/>
+                                  </p:stCondLst>
+                                  <p:childTnLst>
+                                    <p:set>
+                                      <p:cBhvr>
+                                        <p:cTn id="6" dur="1" fill="hold">
+                                          <p:stCondLst>
+                                            <p:cond delay="0"/>
+                                          </p:stCondLst>
+                                        </p:cTn>
+                                        <p:tgtEl>
+                                          <p:spTgt spid="3">
+                                            <p:txEl>
+                                              <p:pRg st="0" end="0"/>
+                                            </p:txEl>
+                                          </p:spTgt>
+                                        </p:tgtEl>
+                                        <p:attrNameLst>
+                                          <p:attrName>style.visibility</p:attrName>
+                                        </p:attrNameLst>
+                                      </p:cBhvr>
+                                      <p:to>
+                                        <p:strVal val="visible"/>
+                                      </p:to>
+                                    </p:set>
+                                  </p:childTnLst>
+                                </p:cTn>
+                              </p:par>
+                            </p:childTnLst>
+                          </p:cTn>
+                        </p:par>
+                      </p:childTnLst>
+                    </p:cTn>
+                  </p:par>
+                  <p:par>
+                    <p:cTn id="7" fill="hold">
+                      <p:stCondLst>
+                        <p:cond delay="indefinite"/>
+                      </p:stCondLst>
+                      <p:childTnLst>
+                        <p:par>
+                          <p:cTn id="8" fill="hold">
+                            <p:stCondLst>
+                              <p:cond delay="0"/>
+                            </p:stCondLst>
+                            <p:childTnLst>
+                              <p:par>
+                                <p:cTn id="9" presetID="1" presetClass="entr" presetSubtype="0" fill="hold" grpId="0" nodeType="clickEffect">
+                                  <p:stCondLst>
+                                    <p:cond delay="0"/>
+                                  </p:stCondLst>
+                                  <p:childTnLst>
+                                    <p:set>
+                                      <p:cBhvr>
+                                        <p:cTn id="10" dur="1" fill="hold">
+                                          <p:stCondLst>
+                                            <p:cond delay="0"/>
+                                          </p:stCondLst>
+                                        </p:cTn>
+                                        <p:tgtEl>
+                                          <p:spTgt spid="3">
+                                            <p:txEl>
+                                              <p:pRg st="1" end="1"/>
+                                            </p:txEl>
+                                          </p:spTgt>
+                                        </p:tgtEl>
+                                        <p:attrNameLst>
+                                          <p:attrName>style.visibility</p:attrName>
+                                        </p:attrNameLst>
+                                      </p:cBhvr>
+                                      <p:to>
+                                        <p:strVal val="visible"/>
+                                      </p:to>
+                                    </p:set>
+                                  </p:childTnLst>
+                                </p:cTn>
+                              </p:par>
+                            </p:childTnLst>
+                          </p:cTn>
+                        </p:par>
+                      </p:childTnLst>
+                    </p:cTn>
+                  </p:par>
+                  <p:par>
+                    <p:cTn id="11" fill="hold">
+                      <p:stCondLst>
+                        <p:cond delay="indefinite"/>
+                      </p:stCondLst>
+                      <p:childTnLst>
+                        <p:par>
+                          <p:cTn id="12" fill="hold">
+                            <p:stCondLst>
+                              <p:cond delay="0"/>
+                            </p:stCondLst>
+                            <p:childTnLst>
+                              <p:par>
+                                <p:cTn id="13" presetID="1" presetClass="entr" presetSubtype="0" fill="hold" grpId="0" nodeType="clickEffect">
+                                  <p:stCondLst>
+                                    <p:cond delay="0"/>
+                                  </p:stCondLst>
+                                  <p:childTnLst>
+                                    <p:set>
+                                      <p:cBhvr>
+                                        <p:cTn id="14" dur="1" fill="hold">
+                                          <p:stCondLst>
+                                            <p:cond delay="0"/>
+                                          </p:stCondLst>
+                                        </p:cTn>
+                                        <p:tgtEl>
+                                          <p:spTgt spid="3">
+                                            <p:txEl>
+                                              <p:pRg st="2" end="2"/>
+                                            </p:txEl>
+                                          </p:spTgt>
+                                        </p:tgtEl>
+                                        <p:attrNameLst>
+                                          <p:attrName>style.visibility</p:attrName>
+                                        </p:attrNameLst>
+                                      </p:cBhvr>
+                                      <p:to>
+                                        <p:strVal val="visible"/>
+                                      </p:to>
+                                    </p:set>
+                                  </p:childTnLst>
+                                </p:cTn>
+                              </p:par>
+                            </p:childTnLst>
+                          </p:cTn>
+                        </p:par>
+                      </p:childTnLst>
+                    </p:cTn>
+                  </p:par>
+                </p:childTnLst>
+              </p:cTn>
+              <p:prevCondLst>
+                <p:cond evt="onPrev" delay="0">
+                  <p:tgtEl>
+                    <p:sldTgt/>
+                  </p:tgtEl>
+                </p:cond>
+              </p:prevCondLst>
+              <p:nextCondLst>
+                <p:cond evt="onNext" delay="0">
+                  <p:tgtEl>
+                    <p:sldTgt/>
+                  </p:tgtEl>
+                </p:cond>
+              </p:nextCondLst>
+            </p:seq>
+          </p:childTnLst>
+        </p:cTn>
+      </p:par>
+    </p:tnLst>
+    <p:bldLst>
+      <p:bldP spid="3" grpId="0" build="p"/>
+    </p:bldLst>
+  </p:timing>
+</p:sld>
+</file>
+
+<file path=ppt/slides/slide26.xml><?xml version="1.0" encoding="utf-8"?>
+<p:sld xmlns:a="http://schemas.openxmlformats.org/drawingml/2006/main" xmlns:r="http://schemas.openxmlformats.org/officeDocument/2006/relationships" xmlns:p="http://schemas.openxmlformats.org/presentationml/2006/main">
+  <p:cSld>
     <p:bg>
       <p:bgPr>
         <a:solidFill>
@@ -15769,7 +17944,7 @@
 </p:sld>
 </file>
 
-<file path=ppt/slides/slide24.xml><?xml version="1.0" encoding="utf-8"?>
+<file path=ppt/slides/slide27.xml><?xml version="1.0" encoding="utf-8"?>
 <p:sld xmlns:a="http://schemas.openxmlformats.org/drawingml/2006/main" xmlns:r="http://schemas.openxmlformats.org/officeDocument/2006/relationships" xmlns:p="http://schemas.openxmlformats.org/presentationml/2006/main">
   <p:cSld>
     <p:spTree>
@@ -20857,8 +23032,8 @@
           </a:p>
         </p:txBody>
       </p:sp>
-      <mc:AlternateContent xmlns:mc="http://schemas.openxmlformats.org/markup-compatibility/2006">
-        <mc:Choice xmlns:a14="http://schemas.microsoft.com/office/drawing/2010/main" Requires="a14">
+      <mc:AlternateContent xmlns:mc="http://schemas.openxmlformats.org/markup-compatibility/2006" xmlns:a14="http://schemas.microsoft.com/office/drawing/2010/main">
+        <mc:Choice Requires="a14">
           <p:sp>
             <p:nvSpPr>
               <p:cNvPr id="3" name="Content Placeholder 2">
@@ -21342,7 +23517,7 @@
             </p:txBody>
           </p:sp>
         </mc:Choice>
-        <mc:Fallback>
+        <mc:Fallback xmlns="">
           <p:sp>
             <p:nvSpPr>
               <p:cNvPr id="3" name="Content Placeholder 2">

--- a/COMP270/05/2019-20-COMP270-05-lecture-materials.pptx
+++ b/COMP270/05/2019-20-COMP270-05-lecture-materials.pptx
@@ -18309,10 +18309,10 @@
       </mc:AlternateContent>
       <p:grpSp>
         <p:nvGrpSpPr>
-          <p:cNvPr id="14" name="Group 13">
+          <p:cNvPr id="10" name="Group 9">
             <a:extLst>
               <a:ext uri="{FF2B5EF4-FFF2-40B4-BE49-F238E27FC236}">
-                <a16:creationId xmlns:a16="http://schemas.microsoft.com/office/drawing/2014/main" id="{2AB45F3C-1E00-4EF4-8ACB-B72678CD698E}"/>
+                <a16:creationId xmlns:a16="http://schemas.microsoft.com/office/drawing/2014/main" id="{7F950CA8-E9DA-4474-B074-91649A2FCD52}"/>
               </a:ext>
             </a:extLst>
           </p:cNvPr>
@@ -18322,159 +18322,138 @@
         <p:grpSpPr>
           <a:xfrm>
             <a:off x="4148543" y="441807"/>
-            <a:ext cx="7007137" cy="5184777"/>
-            <a:chOff x="6216205" y="696250"/>
-            <a:chExt cx="5506055" cy="4074084"/>
+            <a:ext cx="7007137" cy="3317961"/>
+            <a:chOff x="808246" y="3472243"/>
+            <a:chExt cx="3838903" cy="1817765"/>
           </a:xfrm>
         </p:grpSpPr>
-        <p:grpSp>
-          <p:nvGrpSpPr>
-            <p:cNvPr id="10" name="Group 9">
+        <p:pic>
+          <p:nvPicPr>
+            <p:cNvPr id="8" name="Content Placeholder 4" descr="A screenshot of a cell phone&#10;&#10;Description automatically generated">
               <a:extLst>
                 <a:ext uri="{FF2B5EF4-FFF2-40B4-BE49-F238E27FC236}">
-                  <a16:creationId xmlns:a16="http://schemas.microsoft.com/office/drawing/2014/main" id="{7F950CA8-E9DA-4474-B074-91649A2FCD52}"/>
+                  <a16:creationId xmlns:a16="http://schemas.microsoft.com/office/drawing/2014/main" id="{8FC8946E-51B7-4204-A0CF-B3574A606D22}"/>
                 </a:ext>
               </a:extLst>
             </p:cNvPr>
-            <p:cNvGrpSpPr/>
+            <p:cNvPicPr>
+              <a:picLocks noChangeAspect="1"/>
+            </p:cNvPicPr>
             <p:nvPr/>
-          </p:nvGrpSpPr>
-          <p:grpSpPr>
+          </p:nvPicPr>
+          <p:blipFill rotWithShape="1">
+            <a:blip r:embed="rId3">
+              <a:extLst>
+                <a:ext uri="{28A0092B-C50C-407E-A947-70E740481C1C}">
+                  <a14:useLocalDpi xmlns:a14="http://schemas.microsoft.com/office/drawing/2010/main" val="0"/>
+                </a:ext>
+              </a:extLst>
+            </a:blip>
+            <a:srcRect l="11983" t="31767" r="7577" b="19899"/>
+            <a:stretch/>
+          </p:blipFill>
+          <p:spPr>
             <a:xfrm>
-              <a:off x="6216205" y="696250"/>
-              <a:ext cx="5506055" cy="2607181"/>
-              <a:chOff x="808246" y="3472243"/>
-              <a:chExt cx="3838903" cy="1817765"/>
+              <a:off x="808246" y="3472243"/>
+              <a:ext cx="3838903" cy="1817765"/>
             </a:xfrm>
-          </p:grpSpPr>
-          <p:pic>
-            <p:nvPicPr>
-              <p:cNvPr id="8" name="Content Placeholder 4" descr="A screenshot of a cell phone&#10;&#10;Description automatically generated">
-                <a:extLst>
-                  <a:ext uri="{FF2B5EF4-FFF2-40B4-BE49-F238E27FC236}">
-                    <a16:creationId xmlns:a16="http://schemas.microsoft.com/office/drawing/2014/main" id="{8FC8946E-51B7-4204-A0CF-B3574A606D22}"/>
-                  </a:ext>
-                </a:extLst>
-              </p:cNvPr>
-              <p:cNvPicPr>
-                <a:picLocks noChangeAspect="1"/>
-              </p:cNvPicPr>
-              <p:nvPr/>
-            </p:nvPicPr>
-            <p:blipFill rotWithShape="1">
-              <a:blip r:embed="rId3">
-                <a:extLst>
-                  <a:ext uri="{28A0092B-C50C-407E-A947-70E740481C1C}">
-                    <a14:useLocalDpi xmlns:a14="http://schemas.microsoft.com/office/drawing/2010/main" val="0"/>
-                  </a:ext>
-                </a:extLst>
-              </a:blip>
-              <a:srcRect l="11983" t="31767" r="7577" b="19899"/>
-              <a:stretch/>
-            </p:blipFill>
-            <p:spPr>
-              <a:xfrm>
-                <a:off x="808246" y="3472243"/>
-                <a:ext cx="3838903" cy="1817765"/>
-              </a:xfrm>
-              <a:prstGeom prst="rect">
-                <a:avLst/>
-              </a:prstGeom>
-            </p:spPr>
-          </p:pic>
-          <p:pic>
-            <p:nvPicPr>
-              <p:cNvPr id="9" name="Picture 8" descr="A picture containing clock, train, table, bird&#10;&#10;Description automatically generated">
-                <a:extLst>
-                  <a:ext uri="{FF2B5EF4-FFF2-40B4-BE49-F238E27FC236}">
-                    <a16:creationId xmlns:a16="http://schemas.microsoft.com/office/drawing/2014/main" id="{7AC57EEA-94FC-4A6B-92EF-A8735FD418F5}"/>
-                  </a:ext>
-                </a:extLst>
-              </p:cNvPr>
-              <p:cNvPicPr>
-                <a:picLocks noChangeAspect="1"/>
-              </p:cNvPicPr>
-              <p:nvPr/>
-            </p:nvPicPr>
-            <p:blipFill>
-              <a:blip r:embed="rId4">
-                <a:alphaModFix/>
-                <a:extLst>
-                  <a:ext uri="{28A0092B-C50C-407E-A947-70E740481C1C}">
-                    <a14:useLocalDpi xmlns:a14="http://schemas.microsoft.com/office/drawing/2010/main" val="0"/>
-                  </a:ext>
-                </a:extLst>
-              </a:blip>
-              <a:stretch>
-                <a:fillRect/>
-              </a:stretch>
-            </p:blipFill>
-            <p:spPr>
-              <a:xfrm>
-                <a:off x="1164789" y="4207455"/>
-                <a:ext cx="680012" cy="786238"/>
-              </a:xfrm>
-              <a:prstGeom prst="rect">
-                <a:avLst/>
-              </a:prstGeom>
-            </p:spPr>
-          </p:pic>
-        </p:grpSp>
-        <p:sp>
-          <p:nvSpPr>
-            <p:cNvPr id="13" name="Arc 12">
+            <a:prstGeom prst="rect">
+              <a:avLst/>
+            </a:prstGeom>
+          </p:spPr>
+        </p:pic>
+        <p:pic>
+          <p:nvPicPr>
+            <p:cNvPr id="9" name="Picture 8" descr="A picture containing clock, train, table, bird&#10;&#10;Description automatically generated">
               <a:extLst>
                 <a:ext uri="{FF2B5EF4-FFF2-40B4-BE49-F238E27FC236}">
-                  <a16:creationId xmlns:a16="http://schemas.microsoft.com/office/drawing/2014/main" id="{5584BA51-79FD-4701-9315-BA58E68D0E31}"/>
+                  <a16:creationId xmlns:a16="http://schemas.microsoft.com/office/drawing/2014/main" id="{7AC57EEA-94FC-4A6B-92EF-A8735FD418F5}"/>
                 </a:ext>
               </a:extLst>
             </p:cNvPr>
-            <p:cNvSpPr/>
+            <p:cNvPicPr>
+              <a:picLocks noChangeAspect="1"/>
+            </p:cNvPicPr>
             <p:nvPr/>
-          </p:nvSpPr>
+          </p:nvPicPr>
+          <p:blipFill>
+            <a:blip r:embed="rId4">
+              <a:alphaModFix/>
+              <a:extLst>
+                <a:ext uri="{28A0092B-C50C-407E-A947-70E740481C1C}">
+                  <a14:useLocalDpi xmlns:a14="http://schemas.microsoft.com/office/drawing/2010/main" val="0"/>
+                </a:ext>
+              </a:extLst>
+            </a:blip>
+            <a:stretch>
+              <a:fillRect/>
+            </a:stretch>
+          </p:blipFill>
           <p:spPr>
             <a:xfrm>
-              <a:off x="6966330" y="1372638"/>
-              <a:ext cx="4005804" cy="3397696"/>
+              <a:off x="1164789" y="4212619"/>
+              <a:ext cx="680012" cy="786238"/>
             </a:xfrm>
-            <a:prstGeom prst="arc">
-              <a:avLst>
-                <a:gd name="adj1" fmla="val 12319972"/>
-                <a:gd name="adj2" fmla="val 20174986"/>
-              </a:avLst>
+            <a:prstGeom prst="rect">
+              <a:avLst/>
             </a:prstGeom>
-            <a:ln w="19050">
-              <a:solidFill>
-                <a:schemeClr val="bg1"/>
-              </a:solidFill>
-              <a:headEnd type="none" w="med" len="med"/>
-              <a:tailEnd type="triangle" w="med" len="med"/>
-            </a:ln>
           </p:spPr>
-          <p:style>
-            <a:lnRef idx="1">
-              <a:schemeClr val="accent1"/>
-            </a:lnRef>
-            <a:fillRef idx="0">
-              <a:schemeClr val="accent1"/>
-            </a:fillRef>
-            <a:effectRef idx="0">
-              <a:schemeClr val="accent1"/>
-            </a:effectRef>
-            <a:fontRef idx="minor">
-              <a:schemeClr val="tx1"/>
-            </a:fontRef>
-          </p:style>
-          <p:txBody>
-            <a:bodyPr rtlCol="0" anchor="ctr"/>
-            <a:lstStyle/>
-            <a:p>
-              <a:pPr algn="ctr"/>
-              <a:endParaRPr lang="en-GB"/>
-            </a:p>
-          </p:txBody>
-        </p:sp>
+        </p:pic>
       </p:grpSp>
+      <p:sp>
+        <p:nvSpPr>
+          <p:cNvPr id="13" name="Arc 12">
+            <a:extLst>
+              <a:ext uri="{FF2B5EF4-FFF2-40B4-BE49-F238E27FC236}">
+                <a16:creationId xmlns:a16="http://schemas.microsoft.com/office/drawing/2014/main" id="{5584BA51-79FD-4701-9315-BA58E68D0E31}"/>
+              </a:ext>
+            </a:extLst>
+          </p:cNvPr>
+          <p:cNvSpPr/>
+          <p:nvPr/>
+        </p:nvSpPr>
+        <p:spPr>
+          <a:xfrm>
+            <a:off x="5033914" y="1451730"/>
+            <a:ext cx="5269583" cy="4061735"/>
+          </a:xfrm>
+          <a:prstGeom prst="arc">
+            <a:avLst>
+              <a:gd name="adj1" fmla="val 12319972"/>
+              <a:gd name="adj2" fmla="val 20174986"/>
+            </a:avLst>
+          </a:prstGeom>
+          <a:ln w="19050">
+            <a:solidFill>
+              <a:schemeClr val="bg1"/>
+            </a:solidFill>
+            <a:headEnd type="none" w="med" len="med"/>
+            <a:tailEnd type="triangle" w="med" len="med"/>
+          </a:ln>
+        </p:spPr>
+        <p:style>
+          <a:lnRef idx="1">
+            <a:schemeClr val="accent1"/>
+          </a:lnRef>
+          <a:fillRef idx="0">
+            <a:schemeClr val="accent1"/>
+          </a:fillRef>
+          <a:effectRef idx="0">
+            <a:schemeClr val="accent1"/>
+          </a:effectRef>
+          <a:fontRef idx="minor">
+            <a:schemeClr val="tx1"/>
+          </a:fontRef>
+        </p:style>
+        <p:txBody>
+          <a:bodyPr rtlCol="0" anchor="ctr"/>
+          <a:lstStyle/>
+          <a:p>
+            <a:pPr algn="ctr"/>
+            <a:endParaRPr lang="en-GB"/>
+          </a:p>
+        </p:txBody>
+      </p:sp>
     </p:spTree>
     <p:extLst>
       <p:ext uri="{BB962C8B-B14F-4D97-AF65-F5344CB8AC3E}">
